--- a/lessflow/LessFlow_details.pptx
+++ b/lessflow/LessFlow_details.pptx
@@ -105,6 +105,11 @@
       </a:defRPr>
     </a:lvl9pPr>
   </p:defaultTextStyle>
+  <p:extLst>
+    <p:ext uri="{EFAFB233-063F-42B5-8137-9DF3F51BA10A}">
+      <p15:sldGuideLst xmlns:p15="http://schemas.microsoft.com/office/powerpoint/2012/main"/>
+    </p:ext>
+  </p:extLst>
 </p:presentation>
 </file>
 
@@ -3359,8 +3364,8 @@
         </p:nvCxnSpPr>
         <p:spPr>
           <a:xfrm flipV="1">
-            <a:off x="5108768" y="660328"/>
-            <a:ext cx="31747" cy="3730089"/>
+            <a:off x="4625985" y="649178"/>
+            <a:ext cx="35030" cy="3308456"/>
           </a:xfrm>
           <a:prstGeom prst="line">
             <a:avLst/>
@@ -3401,7 +3406,7 @@
         </p:nvSpPr>
         <p:spPr>
           <a:xfrm>
-            <a:off x="5190297" y="3591558"/>
+            <a:off x="4702712" y="3434414"/>
             <a:ext cx="893193" cy="523220"/>
           </a:xfrm>
           <a:prstGeom prst="rect">
@@ -3437,7 +3442,7 @@
         </p:nvSpPr>
         <p:spPr>
           <a:xfrm>
-            <a:off x="5452980" y="1078483"/>
+            <a:off x="4973480" y="1067332"/>
             <a:ext cx="2802929" cy="364310"/>
           </a:xfrm>
           <a:prstGeom prst="rect">
@@ -3489,7 +3494,7 @@
         </p:nvSpPr>
         <p:spPr>
           <a:xfrm rot="5400000">
-            <a:off x="6699021" y="2439509"/>
+            <a:off x="6219521" y="2428358"/>
             <a:ext cx="574196" cy="769441"/>
           </a:xfrm>
           <a:prstGeom prst="rect">
@@ -3511,8 +3516,8 @@
           </a:p>
         </p:txBody>
       </p:sp>
-      <mc:AlternateContent xmlns:mc="http://schemas.openxmlformats.org/markup-compatibility/2006">
-        <mc:Choice xmlns:a14="http://schemas.microsoft.com/office/drawing/2010/main" Requires="a14">
+      <mc:AlternateContent xmlns:mc="http://schemas.openxmlformats.org/markup-compatibility/2006" xmlns:a14="http://schemas.microsoft.com/office/drawing/2010/main">
+        <mc:Choice Requires="a14">
           <p:sp>
             <p:nvSpPr>
               <p:cNvPr id="19" name="文本框 18">
@@ -3527,7 +3532,7 @@
             </p:nvSpPr>
             <p:spPr>
               <a:xfrm>
-                <a:off x="8625874" y="2207405"/>
+                <a:off x="8146374" y="2196254"/>
                 <a:ext cx="864660" cy="400110"/>
               </a:xfrm>
               <a:prstGeom prst="rect">
@@ -3564,7 +3569,7 @@
             </p:txBody>
           </p:sp>
         </mc:Choice>
-        <mc:Fallback>
+        <mc:Fallback xmlns="">
           <p:sp>
             <p:nvSpPr>
               <p:cNvPr id="19" name="文本框 18">
@@ -3581,7 +3586,7 @@
             </p:nvSpPr>
             <p:spPr>
               <a:xfrm>
-                <a:off x="8625874" y="2207405"/>
+                <a:off x="8146374" y="2196254"/>
                 <a:ext cx="864660" cy="400110"/>
               </a:xfrm>
               <a:prstGeom prst="rect">
@@ -3623,7 +3628,7 @@
         </p:nvSpPr>
         <p:spPr>
           <a:xfrm>
-            <a:off x="8396479" y="1078483"/>
+            <a:off x="7916979" y="1067332"/>
             <a:ext cx="229395" cy="2385694"/>
           </a:xfrm>
           <a:prstGeom prst="rightBrace">
@@ -3672,7 +3677,7 @@
         </p:nvSpPr>
         <p:spPr>
           <a:xfrm rot="16200000">
-            <a:off x="10269262" y="1852217"/>
+            <a:off x="9789762" y="1841066"/>
             <a:ext cx="356358" cy="1216152"/>
           </a:xfrm>
           <a:prstGeom prst="can">
@@ -3717,7 +3722,7 @@
         </p:nvSpPr>
         <p:spPr>
           <a:xfrm rot="17828801">
-            <a:off x="10114204" y="2756508"/>
+            <a:off x="9634704" y="2745357"/>
             <a:ext cx="356358" cy="1216152"/>
           </a:xfrm>
           <a:prstGeom prst="can">
@@ -3762,7 +3767,7 @@
         </p:nvSpPr>
         <p:spPr>
           <a:xfrm rot="14078832">
-            <a:off x="10137547" y="955041"/>
+            <a:off x="9658047" y="943890"/>
             <a:ext cx="356358" cy="1216152"/>
           </a:xfrm>
           <a:prstGeom prst="can">
@@ -3793,8 +3798,8 @@
           </a:p>
         </p:txBody>
       </p:sp>
-      <mc:AlternateContent xmlns:mc="http://schemas.openxmlformats.org/markup-compatibility/2006">
-        <mc:Choice xmlns:a14="http://schemas.microsoft.com/office/drawing/2010/main" Requires="a14">
+      <mc:AlternateContent xmlns:mc="http://schemas.openxmlformats.org/markup-compatibility/2006" xmlns:a14="http://schemas.microsoft.com/office/drawing/2010/main">
+        <mc:Choice Requires="a14">
           <p:sp>
             <p:nvSpPr>
               <p:cNvPr id="60" name="文本框 59">
@@ -3809,7 +3814,7 @@
             </p:nvSpPr>
             <p:spPr>
               <a:xfrm>
-                <a:off x="9716680" y="3821814"/>
+                <a:off x="9812883" y="2632305"/>
                 <a:ext cx="2378281" cy="923330"/>
               </a:xfrm>
               <a:prstGeom prst="rect">
@@ -3903,7 +3908,7 @@
             </p:txBody>
           </p:sp>
         </mc:Choice>
-        <mc:Fallback>
+        <mc:Fallback xmlns="">
           <p:sp>
             <p:nvSpPr>
               <p:cNvPr id="60" name="文本框 59">
@@ -3920,7 +3925,7 @@
             </p:nvSpPr>
             <p:spPr>
               <a:xfrm>
-                <a:off x="9716680" y="3821814"/>
+                <a:off x="9812883" y="2632305"/>
                 <a:ext cx="2378281" cy="923330"/>
               </a:xfrm>
               <a:prstGeom prst="rect">
@@ -3929,7 +3934,7 @@
               <a:blipFill>
                 <a:blip r:embed="rId3"/>
                 <a:stretch>
-                  <a:fillRect l="-2128" t="-2703" r="-532"/>
+                  <a:fillRect l="-2116" t="-4110"/>
                 </a:stretch>
               </a:blipFill>
             </p:spPr>
@@ -3962,7 +3967,7 @@
         </p:nvSpPr>
         <p:spPr>
           <a:xfrm>
-            <a:off x="5452980" y="1598723"/>
+            <a:off x="4973480" y="1587572"/>
             <a:ext cx="2802929" cy="364310"/>
           </a:xfrm>
           <a:prstGeom prst="rect">
@@ -4014,7 +4019,7 @@
         </p:nvSpPr>
         <p:spPr>
           <a:xfrm>
-            <a:off x="5452980" y="2117613"/>
+            <a:off x="4973480" y="2106462"/>
             <a:ext cx="2802929" cy="364310"/>
           </a:xfrm>
           <a:prstGeom prst="rect">
@@ -4066,7 +4071,7 @@
         </p:nvSpPr>
         <p:spPr>
           <a:xfrm>
-            <a:off x="5452980" y="3099867"/>
+            <a:off x="4973480" y="3088716"/>
             <a:ext cx="2802929" cy="364310"/>
           </a:xfrm>
           <a:prstGeom prst="rect">
@@ -4104,208 +4109,8 @@
           </a:p>
         </p:txBody>
       </p:sp>
-      <p:cxnSp>
-        <p:nvCxnSpPr>
-          <p:cNvPr id="69" name="直线连接符 68">
-            <a:extLst>
-              <a:ext uri="{FF2B5EF4-FFF2-40B4-BE49-F238E27FC236}">
-                <a16:creationId xmlns:a16="http://schemas.microsoft.com/office/drawing/2014/main" id="{9903DBAE-34AD-EB4E-9929-98800612AAF0}"/>
-              </a:ext>
-            </a:extLst>
-          </p:cNvPr>
-          <p:cNvCxnSpPr>
-            <a:cxnSpLocks/>
-          </p:cNvCxnSpPr>
-          <p:nvPr/>
-        </p:nvCxnSpPr>
-        <p:spPr>
-          <a:xfrm flipV="1">
-            <a:off x="9490534" y="742470"/>
-            <a:ext cx="31747" cy="3730089"/>
-          </a:xfrm>
-          <a:prstGeom prst="line">
-            <a:avLst/>
-          </a:prstGeom>
-          <a:ln w="28575">
-            <a:solidFill>
-              <a:schemeClr val="tx1"/>
-            </a:solidFill>
-            <a:prstDash val="dash"/>
-          </a:ln>
-        </p:spPr>
-        <p:style>
-          <a:lnRef idx="1">
-            <a:schemeClr val="accent1"/>
-          </a:lnRef>
-          <a:fillRef idx="0">
-            <a:schemeClr val="accent1"/>
-          </a:fillRef>
-          <a:effectRef idx="0">
-            <a:schemeClr val="accent1"/>
-          </a:effectRef>
-          <a:fontRef idx="minor">
-            <a:schemeClr val="tx1"/>
-          </a:fontRef>
-        </p:style>
-      </p:cxnSp>
-      <p:sp>
-        <p:nvSpPr>
-          <p:cNvPr id="70" name="矩形 69">
-            <a:extLst>
-              <a:ext uri="{FF2B5EF4-FFF2-40B4-BE49-F238E27FC236}">
-                <a16:creationId xmlns:a16="http://schemas.microsoft.com/office/drawing/2014/main" id="{FEF34CAA-0035-D74A-BAF9-183DB7AC580F}"/>
-              </a:ext>
-            </a:extLst>
-          </p:cNvPr>
-          <p:cNvSpPr/>
-          <p:nvPr/>
-        </p:nvSpPr>
-        <p:spPr>
-          <a:xfrm rot="16200000">
-            <a:off x="3231816" y="191843"/>
-            <a:ext cx="268323" cy="3134749"/>
-          </a:xfrm>
-          <a:prstGeom prst="rect">
-            <a:avLst/>
-          </a:prstGeom>
-          <a:solidFill>
-            <a:srgbClr val="FF0000"/>
-          </a:solidFill>
-          <a:ln>
-            <a:noFill/>
-          </a:ln>
-        </p:spPr>
-        <p:style>
-          <a:lnRef idx="2">
-            <a:schemeClr val="accent1">
-              <a:shade val="50000"/>
-            </a:schemeClr>
-          </a:lnRef>
-          <a:fillRef idx="1">
-            <a:schemeClr val="accent1"/>
-          </a:fillRef>
-          <a:effectRef idx="0">
-            <a:schemeClr val="accent1"/>
-          </a:effectRef>
-          <a:fontRef idx="minor">
-            <a:schemeClr val="lt1"/>
-          </a:fontRef>
-        </p:style>
-        <p:txBody>
-          <a:bodyPr rtlCol="0" anchor="ctr"/>
-          <a:lstStyle/>
-          <a:p>
-            <a:pPr algn="ctr"/>
-            <a:endParaRPr kumimoji="1" lang="zh-SG" altLang="en-US"/>
-          </a:p>
-        </p:txBody>
-      </p:sp>
-      <p:sp>
-        <p:nvSpPr>
-          <p:cNvPr id="71" name="矩形 70">
-            <a:extLst>
-              <a:ext uri="{FF2B5EF4-FFF2-40B4-BE49-F238E27FC236}">
-                <a16:creationId xmlns:a16="http://schemas.microsoft.com/office/drawing/2014/main" id="{055B4A29-47DA-7349-9228-358480E2C94B}"/>
-              </a:ext>
-            </a:extLst>
-          </p:cNvPr>
-          <p:cNvSpPr/>
-          <p:nvPr/>
-        </p:nvSpPr>
-        <p:spPr>
-          <a:xfrm rot="16200000">
-            <a:off x="3231815" y="639134"/>
-            <a:ext cx="268323" cy="3134748"/>
-          </a:xfrm>
-          <a:prstGeom prst="rect">
-            <a:avLst/>
-          </a:prstGeom>
-          <a:solidFill>
-            <a:srgbClr val="FFC000"/>
-          </a:solidFill>
-          <a:ln>
-            <a:noFill/>
-          </a:ln>
-        </p:spPr>
-        <p:style>
-          <a:lnRef idx="2">
-            <a:schemeClr val="accent1">
-              <a:shade val="50000"/>
-            </a:schemeClr>
-          </a:lnRef>
-          <a:fillRef idx="1">
-            <a:schemeClr val="accent1"/>
-          </a:fillRef>
-          <a:effectRef idx="0">
-            <a:schemeClr val="accent1"/>
-          </a:effectRef>
-          <a:fontRef idx="minor">
-            <a:schemeClr val="lt1"/>
-          </a:fontRef>
-        </p:style>
-        <p:txBody>
-          <a:bodyPr rtlCol="0" anchor="ctr"/>
-          <a:lstStyle/>
-          <a:p>
-            <a:pPr algn="ctr"/>
-            <a:endParaRPr kumimoji="1" lang="zh-SG" altLang="en-US"/>
-          </a:p>
-        </p:txBody>
-      </p:sp>
-      <p:sp>
-        <p:nvSpPr>
-          <p:cNvPr id="72" name="矩形 71">
-            <a:extLst>
-              <a:ext uri="{FF2B5EF4-FFF2-40B4-BE49-F238E27FC236}">
-                <a16:creationId xmlns:a16="http://schemas.microsoft.com/office/drawing/2014/main" id="{3F55A97F-E42A-0547-A4DD-4C3A4AA6D537}"/>
-              </a:ext>
-            </a:extLst>
-          </p:cNvPr>
-          <p:cNvSpPr/>
-          <p:nvPr/>
-        </p:nvSpPr>
-        <p:spPr>
-          <a:xfrm rot="16200000">
-            <a:off x="3244744" y="1352429"/>
-            <a:ext cx="268323" cy="3167261"/>
-          </a:xfrm>
-          <a:prstGeom prst="rect">
-            <a:avLst/>
-          </a:prstGeom>
-          <a:solidFill>
-            <a:srgbClr val="00B0F0"/>
-          </a:solidFill>
-          <a:ln>
-            <a:noFill/>
-          </a:ln>
-        </p:spPr>
-        <p:style>
-          <a:lnRef idx="2">
-            <a:schemeClr val="accent1">
-              <a:shade val="50000"/>
-            </a:schemeClr>
-          </a:lnRef>
-          <a:fillRef idx="1">
-            <a:schemeClr val="accent1"/>
-          </a:fillRef>
-          <a:effectRef idx="0">
-            <a:schemeClr val="accent1"/>
-          </a:effectRef>
-          <a:fontRef idx="minor">
-            <a:schemeClr val="lt1"/>
-          </a:fontRef>
-        </p:style>
-        <p:txBody>
-          <a:bodyPr rtlCol="0" anchor="ctr"/>
-          <a:lstStyle/>
-          <a:p>
-            <a:pPr algn="ctr"/>
-            <a:endParaRPr kumimoji="1" lang="zh-SG" altLang="en-US"/>
-          </a:p>
-        </p:txBody>
-      </p:sp>
-      <mc:AlternateContent xmlns:mc="http://schemas.openxmlformats.org/markup-compatibility/2006">
-        <mc:Choice xmlns:a14="http://schemas.microsoft.com/office/drawing/2010/main" Requires="a14">
+      <mc:AlternateContent xmlns:mc="http://schemas.openxmlformats.org/markup-compatibility/2006" xmlns:a14="http://schemas.microsoft.com/office/drawing/2010/main">
+        <mc:Choice Requires="a14">
           <p:sp>
             <p:nvSpPr>
               <p:cNvPr id="79" name="文本框 78">
@@ -4320,7 +4125,7 @@
             </p:nvSpPr>
             <p:spPr>
               <a:xfrm>
-                <a:off x="5997869" y="606100"/>
+                <a:off x="5518369" y="594949"/>
                 <a:ext cx="1739643" cy="400110"/>
               </a:xfrm>
               <a:prstGeom prst="rect">
@@ -4369,7 +4174,7 @@
             </p:txBody>
           </p:sp>
         </mc:Choice>
-        <mc:Fallback>
+        <mc:Fallback xmlns="">
           <p:sp>
             <p:nvSpPr>
               <p:cNvPr id="79" name="文本框 78">
@@ -4386,7 +4191,7 @@
             </p:nvSpPr>
             <p:spPr>
               <a:xfrm>
-                <a:off x="5997869" y="606100"/>
+                <a:off x="5518369" y="594949"/>
                 <a:ext cx="1739643" cy="400110"/>
               </a:xfrm>
               <a:prstGeom prst="rect">
@@ -4395,7 +4200,7 @@
               <a:blipFill>
                 <a:blip r:embed="rId4"/>
                 <a:stretch>
-                  <a:fillRect l="-3623" t="-6061" b="-24242"/>
+                  <a:fillRect l="-3623" t="-9375" b="-25000"/>
                 </a:stretch>
               </a:blipFill>
             </p:spPr>
@@ -4428,7 +4233,7 @@
         </p:nvSpPr>
         <p:spPr>
           <a:xfrm rot="16200000">
-            <a:off x="7727873" y="920592"/>
+            <a:off x="7248373" y="909441"/>
             <a:ext cx="268323" cy="680091"/>
           </a:xfrm>
           <a:prstGeom prst="rect">
@@ -4480,7 +4285,7 @@
         </p:nvSpPr>
         <p:spPr>
           <a:xfrm rot="16200000">
-            <a:off x="7011253" y="1440832"/>
+            <a:off x="6531753" y="1429681"/>
             <a:ext cx="268323" cy="680091"/>
           </a:xfrm>
           <a:prstGeom prst="rect">
@@ -4532,7 +4337,7 @@
         </p:nvSpPr>
         <p:spPr>
           <a:xfrm rot="16200000">
-            <a:off x="6258317" y="1951866"/>
+            <a:off x="5778817" y="1940715"/>
             <a:ext cx="268323" cy="680091"/>
           </a:xfrm>
           <a:prstGeom prst="rect">
@@ -4584,7 +4389,7 @@
         </p:nvSpPr>
         <p:spPr>
           <a:xfrm rot="16200000">
-            <a:off x="6258640" y="2941974"/>
+            <a:off x="5779140" y="2930823"/>
             <a:ext cx="268323" cy="680091"/>
           </a:xfrm>
           <a:prstGeom prst="rect">
@@ -4636,7 +4441,7 @@
         </p:nvSpPr>
         <p:spPr>
           <a:xfrm rot="16200000">
-            <a:off x="7014954" y="920592"/>
+            <a:off x="6535454" y="909441"/>
             <a:ext cx="268323" cy="680091"/>
           </a:xfrm>
           <a:prstGeom prst="rect">
@@ -4688,7 +4493,7 @@
         </p:nvSpPr>
         <p:spPr>
           <a:xfrm rot="16200000">
-            <a:off x="6257666" y="1444073"/>
+            <a:off x="5778166" y="1432922"/>
             <a:ext cx="268323" cy="680091"/>
           </a:xfrm>
           <a:prstGeom prst="rect">
@@ -4740,7 +4545,7 @@
         </p:nvSpPr>
         <p:spPr>
           <a:xfrm rot="16200000">
-            <a:off x="7736523" y="1942068"/>
+            <a:off x="7257023" y="1930917"/>
             <a:ext cx="268323" cy="680091"/>
           </a:xfrm>
           <a:prstGeom prst="rect">
@@ -4792,7 +4597,7 @@
         </p:nvSpPr>
         <p:spPr>
           <a:xfrm rot="16200000">
-            <a:off x="6981896" y="2941974"/>
+            <a:off x="6502396" y="2930823"/>
             <a:ext cx="268323" cy="680091"/>
           </a:xfrm>
           <a:prstGeom prst="rect">
@@ -4844,7 +4649,7 @@
         </p:nvSpPr>
         <p:spPr>
           <a:xfrm rot="16200000">
-            <a:off x="7725638" y="2935838"/>
+            <a:off x="7246138" y="2924687"/>
             <a:ext cx="268323" cy="692365"/>
           </a:xfrm>
           <a:prstGeom prst="rect">
@@ -4896,7 +4701,7 @@
         </p:nvSpPr>
         <p:spPr>
           <a:xfrm rot="16200000">
-            <a:off x="7736524" y="1424796"/>
+            <a:off x="7257024" y="1413645"/>
             <a:ext cx="268323" cy="692365"/>
           </a:xfrm>
           <a:prstGeom prst="rect">
@@ -4948,7 +4753,7 @@
         </p:nvSpPr>
         <p:spPr>
           <a:xfrm rot="16200000">
-            <a:off x="7005116" y="1945735"/>
+            <a:off x="6525616" y="1934584"/>
             <a:ext cx="268323" cy="692365"/>
           </a:xfrm>
           <a:prstGeom prst="rect">
@@ -5000,7 +4805,7 @@
         </p:nvSpPr>
         <p:spPr>
           <a:xfrm rot="16200000">
-            <a:off x="6275416" y="927340"/>
+            <a:off x="5795916" y="916189"/>
             <a:ext cx="268323" cy="692365"/>
           </a:xfrm>
           <a:prstGeom prst="rect">
@@ -5052,7 +4857,7 @@
         </p:nvSpPr>
         <p:spPr>
           <a:xfrm rot="10800000">
-            <a:off x="5435889" y="1039200"/>
+            <a:off x="4956389" y="1028049"/>
             <a:ext cx="574196" cy="769441"/>
           </a:xfrm>
           <a:prstGeom prst="rect">
@@ -5088,7 +4893,7 @@
         </p:nvSpPr>
         <p:spPr>
           <a:xfrm rot="10800000">
-            <a:off x="5424070" y="1551301"/>
+            <a:off x="4944570" y="1540150"/>
             <a:ext cx="574196" cy="769441"/>
           </a:xfrm>
           <a:prstGeom prst="rect">
@@ -5124,7 +4929,7 @@
         </p:nvSpPr>
         <p:spPr>
           <a:xfrm rot="10800000">
-            <a:off x="5446660" y="2072347"/>
+            <a:off x="4967160" y="2061196"/>
             <a:ext cx="574196" cy="769441"/>
           </a:xfrm>
           <a:prstGeom prst="rect">
@@ -5160,7 +4965,7 @@
         </p:nvSpPr>
         <p:spPr>
           <a:xfrm rot="10800000">
-            <a:off x="5446660" y="3031141"/>
+            <a:off x="4967160" y="3019990"/>
             <a:ext cx="574196" cy="769441"/>
           </a:xfrm>
           <a:prstGeom prst="rect">
@@ -5198,7 +5003,7 @@
             </p:nvSpPr>
             <p:spPr>
               <a:xfrm>
-                <a:off x="526727" y="2117613"/>
+                <a:off x="-1058842" y="2129464"/>
                 <a:ext cx="943913" cy="400110"/>
               </a:xfrm>
               <a:prstGeom prst="rect">
@@ -5252,7 +5057,7 @@
             </p:nvSpPr>
             <p:spPr>
               <a:xfrm>
-                <a:off x="526727" y="2117613"/>
+                <a:off x="-1058842" y="2129464"/>
                 <a:ext cx="943913" cy="400110"/>
               </a:xfrm>
               <a:prstGeom prst="rect">
@@ -5294,7 +5099,7 @@
         </p:nvSpPr>
         <p:spPr>
           <a:xfrm rot="5400000">
-            <a:off x="3217163" y="2182401"/>
+            <a:off x="2737663" y="2171250"/>
             <a:ext cx="574196" cy="769441"/>
           </a:xfrm>
           <a:prstGeom prst="rect">
@@ -5330,7 +5135,7 @@
         </p:nvSpPr>
         <p:spPr>
           <a:xfrm rot="10800000">
-            <a:off x="1471673" y="1551300"/>
+            <a:off x="-113896" y="1563151"/>
             <a:ext cx="228519" cy="1596557"/>
           </a:xfrm>
           <a:prstGeom prst="rightBrace">
@@ -5379,7 +5184,7 @@
         </p:nvSpPr>
         <p:spPr>
           <a:xfrm>
-            <a:off x="1543734" y="1047352"/>
+            <a:off x="1064234" y="1036201"/>
             <a:ext cx="3523337" cy="400110"/>
           </a:xfrm>
           <a:prstGeom prst="rect">
@@ -5467,7 +5272,7 @@
         </p:nvSpPr>
         <p:spPr>
           <a:xfrm>
-            <a:off x="10577703" y="1198125"/>
+            <a:off x="10098203" y="1186974"/>
             <a:ext cx="217115" cy="234286"/>
           </a:xfrm>
           <a:prstGeom prst="ellipse">
@@ -5519,7 +5324,7 @@
         </p:nvSpPr>
         <p:spPr>
           <a:xfrm>
-            <a:off x="10124060" y="1514591"/>
+            <a:off x="9644560" y="1503440"/>
             <a:ext cx="217115" cy="234286"/>
           </a:xfrm>
           <a:prstGeom prst="ellipse">
@@ -5571,7 +5376,7 @@
         </p:nvSpPr>
         <p:spPr>
           <a:xfrm>
-            <a:off x="10545564" y="3449643"/>
+            <a:off x="10066064" y="3438492"/>
             <a:ext cx="217115" cy="234286"/>
           </a:xfrm>
           <a:prstGeom prst="ellipse">
@@ -5623,7 +5428,7 @@
         </p:nvSpPr>
         <p:spPr>
           <a:xfrm>
-            <a:off x="10371359" y="1328831"/>
+            <a:off x="9891859" y="1317680"/>
             <a:ext cx="217115" cy="234286"/>
           </a:xfrm>
           <a:prstGeom prst="ellipse">
@@ -5675,7 +5480,7 @@
         </p:nvSpPr>
         <p:spPr>
           <a:xfrm>
-            <a:off x="9929661" y="1654713"/>
+            <a:off x="9450161" y="1643562"/>
             <a:ext cx="217115" cy="234286"/>
           </a:xfrm>
           <a:prstGeom prst="ellipse">
@@ -5727,7 +5532,7 @@
         </p:nvSpPr>
         <p:spPr>
           <a:xfrm>
-            <a:off x="10745351" y="2341607"/>
+            <a:off x="10265851" y="2330456"/>
             <a:ext cx="217115" cy="234286"/>
           </a:xfrm>
           <a:prstGeom prst="ellipse">
@@ -5779,7 +5584,7 @@
         </p:nvSpPr>
         <p:spPr>
           <a:xfrm>
-            <a:off x="10477795" y="2354075"/>
+            <a:off x="9998295" y="2342924"/>
             <a:ext cx="217115" cy="234286"/>
           </a:xfrm>
           <a:prstGeom prst="ellipse">
@@ -5831,7 +5636,7 @@
         </p:nvSpPr>
         <p:spPr>
           <a:xfrm>
-            <a:off x="10221467" y="2354075"/>
+            <a:off x="9741967" y="2342924"/>
             <a:ext cx="217115" cy="234286"/>
           </a:xfrm>
           <a:prstGeom prst="ellipse">
@@ -5883,7 +5688,7 @@
         </p:nvSpPr>
         <p:spPr>
           <a:xfrm>
-            <a:off x="9961540" y="2362613"/>
+            <a:off x="9482040" y="2351462"/>
             <a:ext cx="217115" cy="234286"/>
           </a:xfrm>
           <a:prstGeom prst="ellipse">
@@ -5935,7 +5740,7 @@
         </p:nvSpPr>
         <p:spPr>
           <a:xfrm>
-            <a:off x="10311915" y="3314747"/>
+            <a:off x="9832415" y="3303596"/>
             <a:ext cx="217115" cy="234286"/>
           </a:xfrm>
           <a:prstGeom prst="ellipse">
@@ -5987,7 +5792,7 @@
         </p:nvSpPr>
         <p:spPr>
           <a:xfrm>
-            <a:off x="10090989" y="3181575"/>
+            <a:off x="9611489" y="3170424"/>
             <a:ext cx="217115" cy="234286"/>
           </a:xfrm>
           <a:prstGeom prst="ellipse">
@@ -6039,7 +5844,7 @@
         </p:nvSpPr>
         <p:spPr>
           <a:xfrm>
-            <a:off x="9856565" y="3075609"/>
+            <a:off x="9377065" y="3064458"/>
             <a:ext cx="217115" cy="234286"/>
           </a:xfrm>
           <a:prstGeom prst="ellipse">
@@ -6047,6 +5852,986 @@
           </a:prstGeom>
           <a:solidFill>
             <a:srgbClr val="FF0000"/>
+          </a:solidFill>
+          <a:ln>
+            <a:noFill/>
+          </a:ln>
+        </p:spPr>
+        <p:style>
+          <a:lnRef idx="2">
+            <a:schemeClr val="accent1">
+              <a:shade val="50000"/>
+            </a:schemeClr>
+          </a:lnRef>
+          <a:fillRef idx="1">
+            <a:schemeClr val="accent1"/>
+          </a:fillRef>
+          <a:effectRef idx="0">
+            <a:schemeClr val="accent1"/>
+          </a:effectRef>
+          <a:fontRef idx="minor">
+            <a:schemeClr val="lt1"/>
+          </a:fontRef>
+        </p:style>
+        <p:txBody>
+          <a:bodyPr rtlCol="0" anchor="ctr"/>
+          <a:lstStyle/>
+          <a:p>
+            <a:pPr algn="ctr"/>
+            <a:endParaRPr kumimoji="1" lang="zh-SG" altLang="en-US"/>
+          </a:p>
+        </p:txBody>
+      </p:sp>
+      <p:cxnSp>
+        <p:nvCxnSpPr>
+          <p:cNvPr id="54" name="直线连接符 53">
+            <a:extLst>
+              <a:ext uri="{FF2B5EF4-FFF2-40B4-BE49-F238E27FC236}">
+                <a16:creationId xmlns:a16="http://schemas.microsoft.com/office/drawing/2014/main" id="{BE0759FD-32C1-0347-92A6-E06884BED869}"/>
+              </a:ext>
+            </a:extLst>
+          </p:cNvPr>
+          <p:cNvCxnSpPr>
+            <a:cxnSpLocks/>
+          </p:cNvCxnSpPr>
+          <p:nvPr/>
+        </p:nvCxnSpPr>
+        <p:spPr>
+          <a:xfrm flipV="1">
+            <a:off x="8981049" y="580612"/>
+            <a:ext cx="35030" cy="3308456"/>
+          </a:xfrm>
+          <a:prstGeom prst="line">
+            <a:avLst/>
+          </a:prstGeom>
+          <a:ln w="28575">
+            <a:solidFill>
+              <a:schemeClr val="tx1"/>
+            </a:solidFill>
+            <a:prstDash val="dash"/>
+          </a:ln>
+        </p:spPr>
+        <p:style>
+          <a:lnRef idx="1">
+            <a:schemeClr val="accent1"/>
+          </a:lnRef>
+          <a:fillRef idx="0">
+            <a:schemeClr val="accent1"/>
+          </a:fillRef>
+          <a:effectRef idx="0">
+            <a:schemeClr val="accent1"/>
+          </a:effectRef>
+          <a:fontRef idx="minor">
+            <a:schemeClr val="tx1"/>
+          </a:fontRef>
+        </p:style>
+      </p:cxnSp>
+      <p:sp>
+        <p:nvSpPr>
+          <p:cNvPr id="52" name="矩形 51">
+            <a:extLst>
+              <a:ext uri="{FF2B5EF4-FFF2-40B4-BE49-F238E27FC236}">
+                <a16:creationId xmlns:a16="http://schemas.microsoft.com/office/drawing/2014/main" id="{5FE3D721-0E95-6D49-B9B2-0F053900D38A}"/>
+              </a:ext>
+            </a:extLst>
+          </p:cNvPr>
+          <p:cNvSpPr/>
+          <p:nvPr/>
+        </p:nvSpPr>
+        <p:spPr>
+          <a:xfrm rot="16200000">
+            <a:off x="3969362" y="1356374"/>
+            <a:ext cx="268323" cy="680091"/>
+          </a:xfrm>
+          <a:prstGeom prst="rect">
+            <a:avLst/>
+          </a:prstGeom>
+          <a:solidFill>
+            <a:srgbClr val="FF0000"/>
+          </a:solidFill>
+          <a:ln>
+            <a:noFill/>
+          </a:ln>
+        </p:spPr>
+        <p:style>
+          <a:lnRef idx="2">
+            <a:schemeClr val="accent1">
+              <a:shade val="50000"/>
+            </a:schemeClr>
+          </a:lnRef>
+          <a:fillRef idx="1">
+            <a:schemeClr val="accent1"/>
+          </a:fillRef>
+          <a:effectRef idx="0">
+            <a:schemeClr val="accent1"/>
+          </a:effectRef>
+          <a:fontRef idx="minor">
+            <a:schemeClr val="lt1"/>
+          </a:fontRef>
+        </p:style>
+        <p:txBody>
+          <a:bodyPr rtlCol="0" anchor="ctr"/>
+          <a:lstStyle/>
+          <a:p>
+            <a:pPr algn="ctr"/>
+            <a:endParaRPr kumimoji="1" lang="zh-SG" altLang="en-US"/>
+          </a:p>
+        </p:txBody>
+      </p:sp>
+      <p:sp>
+        <p:nvSpPr>
+          <p:cNvPr id="53" name="矩形 52">
+            <a:extLst>
+              <a:ext uri="{FF2B5EF4-FFF2-40B4-BE49-F238E27FC236}">
+                <a16:creationId xmlns:a16="http://schemas.microsoft.com/office/drawing/2014/main" id="{F73285F5-F1A6-0B4D-A95A-223283B7BC04}"/>
+              </a:ext>
+            </a:extLst>
+          </p:cNvPr>
+          <p:cNvSpPr/>
+          <p:nvPr/>
+        </p:nvSpPr>
+        <p:spPr>
+          <a:xfrm rot="16200000">
+            <a:off x="3262513" y="1361103"/>
+            <a:ext cx="268323" cy="680091"/>
+          </a:xfrm>
+          <a:prstGeom prst="rect">
+            <a:avLst/>
+          </a:prstGeom>
+          <a:solidFill>
+            <a:srgbClr val="FF0000"/>
+          </a:solidFill>
+          <a:ln>
+            <a:noFill/>
+          </a:ln>
+        </p:spPr>
+        <p:style>
+          <a:lnRef idx="2">
+            <a:schemeClr val="accent1">
+              <a:shade val="50000"/>
+            </a:schemeClr>
+          </a:lnRef>
+          <a:fillRef idx="1">
+            <a:schemeClr val="accent1"/>
+          </a:fillRef>
+          <a:effectRef idx="0">
+            <a:schemeClr val="accent1"/>
+          </a:effectRef>
+          <a:fontRef idx="minor">
+            <a:schemeClr val="lt1"/>
+          </a:fontRef>
+        </p:style>
+        <p:txBody>
+          <a:bodyPr rtlCol="0" anchor="ctr"/>
+          <a:lstStyle/>
+          <a:p>
+            <a:pPr algn="ctr"/>
+            <a:endParaRPr kumimoji="1" lang="zh-SG" altLang="en-US"/>
+          </a:p>
+        </p:txBody>
+      </p:sp>
+      <p:sp>
+        <p:nvSpPr>
+          <p:cNvPr id="55" name="矩形 54">
+            <a:extLst>
+              <a:ext uri="{FF2B5EF4-FFF2-40B4-BE49-F238E27FC236}">
+                <a16:creationId xmlns:a16="http://schemas.microsoft.com/office/drawing/2014/main" id="{05DB009C-0558-4C4C-99C6-1212D4CDFE1A}"/>
+              </a:ext>
+            </a:extLst>
+          </p:cNvPr>
+          <p:cNvSpPr/>
+          <p:nvPr/>
+        </p:nvSpPr>
+        <p:spPr>
+          <a:xfrm rot="16200000">
+            <a:off x="2560498" y="1360817"/>
+            <a:ext cx="268323" cy="680091"/>
+          </a:xfrm>
+          <a:prstGeom prst="rect">
+            <a:avLst/>
+          </a:prstGeom>
+          <a:solidFill>
+            <a:srgbClr val="FF0000"/>
+          </a:solidFill>
+          <a:ln>
+            <a:noFill/>
+          </a:ln>
+        </p:spPr>
+        <p:style>
+          <a:lnRef idx="2">
+            <a:schemeClr val="accent1">
+              <a:shade val="50000"/>
+            </a:schemeClr>
+          </a:lnRef>
+          <a:fillRef idx="1">
+            <a:schemeClr val="accent1"/>
+          </a:fillRef>
+          <a:effectRef idx="0">
+            <a:schemeClr val="accent1"/>
+          </a:effectRef>
+          <a:fontRef idx="minor">
+            <a:schemeClr val="lt1"/>
+          </a:fontRef>
+        </p:style>
+        <p:txBody>
+          <a:bodyPr rtlCol="0" anchor="ctr"/>
+          <a:lstStyle/>
+          <a:p>
+            <a:pPr algn="ctr"/>
+            <a:endParaRPr kumimoji="1" lang="zh-SG" altLang="en-US"/>
+          </a:p>
+        </p:txBody>
+      </p:sp>
+      <p:sp>
+        <p:nvSpPr>
+          <p:cNvPr id="59" name="矩形 58">
+            <a:extLst>
+              <a:ext uri="{FF2B5EF4-FFF2-40B4-BE49-F238E27FC236}">
+                <a16:creationId xmlns:a16="http://schemas.microsoft.com/office/drawing/2014/main" id="{EFA4761D-5BA3-054F-AA99-A08C21DDFFC0}"/>
+              </a:ext>
+            </a:extLst>
+          </p:cNvPr>
+          <p:cNvSpPr/>
+          <p:nvPr/>
+        </p:nvSpPr>
+        <p:spPr>
+          <a:xfrm rot="16200000">
+            <a:off x="1853649" y="1365546"/>
+            <a:ext cx="268323" cy="680091"/>
+          </a:xfrm>
+          <a:prstGeom prst="rect">
+            <a:avLst/>
+          </a:prstGeom>
+          <a:solidFill>
+            <a:srgbClr val="FF0000"/>
+          </a:solidFill>
+          <a:ln>
+            <a:noFill/>
+          </a:ln>
+        </p:spPr>
+        <p:style>
+          <a:lnRef idx="2">
+            <a:schemeClr val="accent1">
+              <a:shade val="50000"/>
+            </a:schemeClr>
+          </a:lnRef>
+          <a:fillRef idx="1">
+            <a:schemeClr val="accent1"/>
+          </a:fillRef>
+          <a:effectRef idx="0">
+            <a:schemeClr val="accent1"/>
+          </a:effectRef>
+          <a:fontRef idx="minor">
+            <a:schemeClr val="lt1"/>
+          </a:fontRef>
+        </p:style>
+        <p:txBody>
+          <a:bodyPr rtlCol="0" anchor="ctr"/>
+          <a:lstStyle/>
+          <a:p>
+            <a:pPr algn="ctr"/>
+            <a:endParaRPr kumimoji="1" lang="zh-SG" altLang="en-US"/>
+          </a:p>
+        </p:txBody>
+      </p:sp>
+      <p:sp>
+        <p:nvSpPr>
+          <p:cNvPr id="61" name="矩形 60">
+            <a:extLst>
+              <a:ext uri="{FF2B5EF4-FFF2-40B4-BE49-F238E27FC236}">
+                <a16:creationId xmlns:a16="http://schemas.microsoft.com/office/drawing/2014/main" id="{BBA129A9-D044-0743-8518-B574B43C3B94}"/>
+              </a:ext>
+            </a:extLst>
+          </p:cNvPr>
+          <p:cNvSpPr/>
+          <p:nvPr/>
+        </p:nvSpPr>
+        <p:spPr>
+          <a:xfrm rot="16200000">
+            <a:off x="1157762" y="1365545"/>
+            <a:ext cx="268323" cy="680091"/>
+          </a:xfrm>
+          <a:prstGeom prst="rect">
+            <a:avLst/>
+          </a:prstGeom>
+          <a:solidFill>
+            <a:srgbClr val="FF0000"/>
+          </a:solidFill>
+          <a:ln>
+            <a:noFill/>
+          </a:ln>
+        </p:spPr>
+        <p:style>
+          <a:lnRef idx="2">
+            <a:schemeClr val="accent1">
+              <a:shade val="50000"/>
+            </a:schemeClr>
+          </a:lnRef>
+          <a:fillRef idx="1">
+            <a:schemeClr val="accent1"/>
+          </a:fillRef>
+          <a:effectRef idx="0">
+            <a:schemeClr val="accent1"/>
+          </a:effectRef>
+          <a:fontRef idx="minor">
+            <a:schemeClr val="lt1"/>
+          </a:fontRef>
+        </p:style>
+        <p:txBody>
+          <a:bodyPr rtlCol="0" anchor="ctr"/>
+          <a:lstStyle/>
+          <a:p>
+            <a:pPr algn="ctr"/>
+            <a:endParaRPr kumimoji="1" lang="zh-SG" altLang="en-US"/>
+          </a:p>
+        </p:txBody>
+      </p:sp>
+      <p:sp>
+        <p:nvSpPr>
+          <p:cNvPr id="62" name="矩形 61">
+            <a:extLst>
+              <a:ext uri="{FF2B5EF4-FFF2-40B4-BE49-F238E27FC236}">
+                <a16:creationId xmlns:a16="http://schemas.microsoft.com/office/drawing/2014/main" id="{1EB70546-0762-A844-B9D7-F927728DC090}"/>
+              </a:ext>
+            </a:extLst>
+          </p:cNvPr>
+          <p:cNvSpPr/>
+          <p:nvPr/>
+        </p:nvSpPr>
+        <p:spPr>
+          <a:xfrm rot="16200000">
+            <a:off x="427255" y="1346615"/>
+            <a:ext cx="268323" cy="727408"/>
+          </a:xfrm>
+          <a:prstGeom prst="rect">
+            <a:avLst/>
+          </a:prstGeom>
+          <a:solidFill>
+            <a:srgbClr val="FF0000"/>
+          </a:solidFill>
+          <a:ln>
+            <a:noFill/>
+          </a:ln>
+        </p:spPr>
+        <p:style>
+          <a:lnRef idx="2">
+            <a:schemeClr val="accent1">
+              <a:shade val="50000"/>
+            </a:schemeClr>
+          </a:lnRef>
+          <a:fillRef idx="1">
+            <a:schemeClr val="accent1"/>
+          </a:fillRef>
+          <a:effectRef idx="0">
+            <a:schemeClr val="accent1"/>
+          </a:effectRef>
+          <a:fontRef idx="minor">
+            <a:schemeClr val="lt1"/>
+          </a:fontRef>
+        </p:style>
+        <p:txBody>
+          <a:bodyPr rtlCol="0" anchor="ctr"/>
+          <a:lstStyle/>
+          <a:p>
+            <a:pPr algn="ctr"/>
+            <a:endParaRPr kumimoji="1" lang="zh-SG" altLang="en-US"/>
+          </a:p>
+        </p:txBody>
+      </p:sp>
+      <p:sp>
+        <p:nvSpPr>
+          <p:cNvPr id="68" name="矩形 67">
+            <a:extLst>
+              <a:ext uri="{FF2B5EF4-FFF2-40B4-BE49-F238E27FC236}">
+                <a16:creationId xmlns:a16="http://schemas.microsoft.com/office/drawing/2014/main" id="{22BE1A1C-0D56-D04E-8F75-842C1197C5E3}"/>
+              </a:ext>
+            </a:extLst>
+          </p:cNvPr>
+          <p:cNvSpPr/>
+          <p:nvPr/>
+        </p:nvSpPr>
+        <p:spPr>
+          <a:xfrm rot="16200000">
+            <a:off x="3967672" y="1796754"/>
+            <a:ext cx="268323" cy="680091"/>
+          </a:xfrm>
+          <a:prstGeom prst="rect">
+            <a:avLst/>
+          </a:prstGeom>
+          <a:solidFill>
+            <a:srgbClr val="FFC000"/>
+          </a:solidFill>
+          <a:ln>
+            <a:noFill/>
+          </a:ln>
+        </p:spPr>
+        <p:style>
+          <a:lnRef idx="2">
+            <a:schemeClr val="accent1">
+              <a:shade val="50000"/>
+            </a:schemeClr>
+          </a:lnRef>
+          <a:fillRef idx="1">
+            <a:schemeClr val="accent1"/>
+          </a:fillRef>
+          <a:effectRef idx="0">
+            <a:schemeClr val="accent1"/>
+          </a:effectRef>
+          <a:fontRef idx="minor">
+            <a:schemeClr val="lt1"/>
+          </a:fontRef>
+        </p:style>
+        <p:txBody>
+          <a:bodyPr rtlCol="0" anchor="ctr"/>
+          <a:lstStyle/>
+          <a:p>
+            <a:pPr algn="ctr"/>
+            <a:endParaRPr kumimoji="1" lang="zh-SG" altLang="en-US"/>
+          </a:p>
+        </p:txBody>
+      </p:sp>
+      <p:sp>
+        <p:nvSpPr>
+          <p:cNvPr id="69" name="矩形 68">
+            <a:extLst>
+              <a:ext uri="{FF2B5EF4-FFF2-40B4-BE49-F238E27FC236}">
+                <a16:creationId xmlns:a16="http://schemas.microsoft.com/office/drawing/2014/main" id="{5F1670C7-D4FA-CE4E-B809-FDD995B0D549}"/>
+              </a:ext>
+            </a:extLst>
+          </p:cNvPr>
+          <p:cNvSpPr/>
+          <p:nvPr/>
+        </p:nvSpPr>
+        <p:spPr>
+          <a:xfrm rot="16200000">
+            <a:off x="3250229" y="1795401"/>
+            <a:ext cx="268323" cy="680091"/>
+          </a:xfrm>
+          <a:prstGeom prst="rect">
+            <a:avLst/>
+          </a:prstGeom>
+          <a:solidFill>
+            <a:srgbClr val="FFC000"/>
+          </a:solidFill>
+          <a:ln>
+            <a:noFill/>
+          </a:ln>
+        </p:spPr>
+        <p:style>
+          <a:lnRef idx="2">
+            <a:schemeClr val="accent1">
+              <a:shade val="50000"/>
+            </a:schemeClr>
+          </a:lnRef>
+          <a:fillRef idx="1">
+            <a:schemeClr val="accent1"/>
+          </a:fillRef>
+          <a:effectRef idx="0">
+            <a:schemeClr val="accent1"/>
+          </a:effectRef>
+          <a:fontRef idx="minor">
+            <a:schemeClr val="lt1"/>
+          </a:fontRef>
+        </p:style>
+        <p:txBody>
+          <a:bodyPr rtlCol="0" anchor="ctr"/>
+          <a:lstStyle/>
+          <a:p>
+            <a:pPr algn="ctr"/>
+            <a:endParaRPr kumimoji="1" lang="zh-SG" altLang="en-US"/>
+          </a:p>
+        </p:txBody>
+      </p:sp>
+      <p:sp>
+        <p:nvSpPr>
+          <p:cNvPr id="73" name="矩形 72">
+            <a:extLst>
+              <a:ext uri="{FF2B5EF4-FFF2-40B4-BE49-F238E27FC236}">
+                <a16:creationId xmlns:a16="http://schemas.microsoft.com/office/drawing/2014/main" id="{1480DDC0-4D20-A543-80AB-5116798C8226}"/>
+              </a:ext>
+            </a:extLst>
+          </p:cNvPr>
+          <p:cNvSpPr/>
+          <p:nvPr/>
+        </p:nvSpPr>
+        <p:spPr>
+          <a:xfrm rot="16200000">
+            <a:off x="2547734" y="1803536"/>
+            <a:ext cx="268323" cy="680091"/>
+          </a:xfrm>
+          <a:prstGeom prst="rect">
+            <a:avLst/>
+          </a:prstGeom>
+          <a:solidFill>
+            <a:srgbClr val="FFC000"/>
+          </a:solidFill>
+          <a:ln>
+            <a:noFill/>
+          </a:ln>
+        </p:spPr>
+        <p:style>
+          <a:lnRef idx="2">
+            <a:schemeClr val="accent1">
+              <a:shade val="50000"/>
+            </a:schemeClr>
+          </a:lnRef>
+          <a:fillRef idx="1">
+            <a:schemeClr val="accent1"/>
+          </a:fillRef>
+          <a:effectRef idx="0">
+            <a:schemeClr val="accent1"/>
+          </a:effectRef>
+          <a:fontRef idx="minor">
+            <a:schemeClr val="lt1"/>
+          </a:fontRef>
+        </p:style>
+        <p:txBody>
+          <a:bodyPr rtlCol="0" anchor="ctr"/>
+          <a:lstStyle/>
+          <a:p>
+            <a:pPr algn="ctr"/>
+            <a:endParaRPr kumimoji="1" lang="zh-SG" altLang="en-US"/>
+          </a:p>
+        </p:txBody>
+      </p:sp>
+      <p:sp>
+        <p:nvSpPr>
+          <p:cNvPr id="74" name="矩形 73">
+            <a:extLst>
+              <a:ext uri="{FF2B5EF4-FFF2-40B4-BE49-F238E27FC236}">
+                <a16:creationId xmlns:a16="http://schemas.microsoft.com/office/drawing/2014/main" id="{0CE8A41B-6753-424D-88AC-8F6A617C2EBB}"/>
+              </a:ext>
+            </a:extLst>
+          </p:cNvPr>
+          <p:cNvSpPr/>
+          <p:nvPr/>
+        </p:nvSpPr>
+        <p:spPr>
+          <a:xfrm rot="16200000">
+            <a:off x="1830291" y="1802183"/>
+            <a:ext cx="268323" cy="680091"/>
+          </a:xfrm>
+          <a:prstGeom prst="rect">
+            <a:avLst/>
+          </a:prstGeom>
+          <a:solidFill>
+            <a:srgbClr val="FFC000"/>
+          </a:solidFill>
+          <a:ln>
+            <a:noFill/>
+          </a:ln>
+        </p:spPr>
+        <p:style>
+          <a:lnRef idx="2">
+            <a:schemeClr val="accent1">
+              <a:shade val="50000"/>
+            </a:schemeClr>
+          </a:lnRef>
+          <a:fillRef idx="1">
+            <a:schemeClr val="accent1"/>
+          </a:fillRef>
+          <a:effectRef idx="0">
+            <a:schemeClr val="accent1"/>
+          </a:effectRef>
+          <a:fontRef idx="minor">
+            <a:schemeClr val="lt1"/>
+          </a:fontRef>
+        </p:style>
+        <p:txBody>
+          <a:bodyPr rtlCol="0" anchor="ctr"/>
+          <a:lstStyle/>
+          <a:p>
+            <a:pPr algn="ctr"/>
+            <a:endParaRPr kumimoji="1" lang="zh-SG" altLang="en-US"/>
+          </a:p>
+        </p:txBody>
+      </p:sp>
+      <p:sp>
+        <p:nvSpPr>
+          <p:cNvPr id="75" name="矩形 74">
+            <a:extLst>
+              <a:ext uri="{FF2B5EF4-FFF2-40B4-BE49-F238E27FC236}">
+                <a16:creationId xmlns:a16="http://schemas.microsoft.com/office/drawing/2014/main" id="{33D132F1-465B-0E4E-9547-D4D331950EAE}"/>
+              </a:ext>
+            </a:extLst>
+          </p:cNvPr>
+          <p:cNvSpPr/>
+          <p:nvPr/>
+        </p:nvSpPr>
+        <p:spPr>
+          <a:xfrm rot="16200000">
+            <a:off x="1121040" y="1801922"/>
+            <a:ext cx="268323" cy="680091"/>
+          </a:xfrm>
+          <a:prstGeom prst="rect">
+            <a:avLst/>
+          </a:prstGeom>
+          <a:solidFill>
+            <a:srgbClr val="FFC000"/>
+          </a:solidFill>
+          <a:ln>
+            <a:noFill/>
+          </a:ln>
+        </p:spPr>
+        <p:style>
+          <a:lnRef idx="2">
+            <a:schemeClr val="accent1">
+              <a:shade val="50000"/>
+            </a:schemeClr>
+          </a:lnRef>
+          <a:fillRef idx="1">
+            <a:schemeClr val="accent1"/>
+          </a:fillRef>
+          <a:effectRef idx="0">
+            <a:schemeClr val="accent1"/>
+          </a:effectRef>
+          <a:fontRef idx="minor">
+            <a:schemeClr val="lt1"/>
+          </a:fontRef>
+        </p:style>
+        <p:txBody>
+          <a:bodyPr rtlCol="0" anchor="ctr"/>
+          <a:lstStyle/>
+          <a:p>
+            <a:pPr algn="ctr"/>
+            <a:endParaRPr kumimoji="1" lang="zh-SG" altLang="en-US"/>
+          </a:p>
+        </p:txBody>
+      </p:sp>
+      <p:sp>
+        <p:nvSpPr>
+          <p:cNvPr id="76" name="矩形 75">
+            <a:extLst>
+              <a:ext uri="{FF2B5EF4-FFF2-40B4-BE49-F238E27FC236}">
+                <a16:creationId xmlns:a16="http://schemas.microsoft.com/office/drawing/2014/main" id="{AD8CC6E2-AAAD-8F40-B2BC-B1064D1E1A2C}"/>
+              </a:ext>
+            </a:extLst>
+          </p:cNvPr>
+          <p:cNvSpPr/>
+          <p:nvPr/>
+        </p:nvSpPr>
+        <p:spPr>
+          <a:xfrm rot="16200000">
+            <a:off x="403597" y="1800569"/>
+            <a:ext cx="268323" cy="680091"/>
+          </a:xfrm>
+          <a:prstGeom prst="rect">
+            <a:avLst/>
+          </a:prstGeom>
+          <a:solidFill>
+            <a:srgbClr val="FFC000"/>
+          </a:solidFill>
+          <a:ln>
+            <a:noFill/>
+          </a:ln>
+        </p:spPr>
+        <p:style>
+          <a:lnRef idx="2">
+            <a:schemeClr val="accent1">
+              <a:shade val="50000"/>
+            </a:schemeClr>
+          </a:lnRef>
+          <a:fillRef idx="1">
+            <a:schemeClr val="accent1"/>
+          </a:fillRef>
+          <a:effectRef idx="0">
+            <a:schemeClr val="accent1"/>
+          </a:effectRef>
+          <a:fontRef idx="minor">
+            <a:schemeClr val="lt1"/>
+          </a:fontRef>
+        </p:style>
+        <p:txBody>
+          <a:bodyPr rtlCol="0" anchor="ctr"/>
+          <a:lstStyle/>
+          <a:p>
+            <a:pPr algn="ctr"/>
+            <a:endParaRPr kumimoji="1" lang="zh-SG" altLang="en-US"/>
+          </a:p>
+        </p:txBody>
+      </p:sp>
+      <p:sp>
+        <p:nvSpPr>
+          <p:cNvPr id="77" name="矩形 76">
+            <a:extLst>
+              <a:ext uri="{FF2B5EF4-FFF2-40B4-BE49-F238E27FC236}">
+                <a16:creationId xmlns:a16="http://schemas.microsoft.com/office/drawing/2014/main" id="{63DB615C-279C-4347-BE54-F4EF4D4BD8C2}"/>
+              </a:ext>
+            </a:extLst>
+          </p:cNvPr>
+          <p:cNvSpPr/>
+          <p:nvPr/>
+        </p:nvSpPr>
+        <p:spPr>
+          <a:xfrm rot="16200000">
+            <a:off x="3967671" y="2600985"/>
+            <a:ext cx="268323" cy="692365"/>
+          </a:xfrm>
+          <a:prstGeom prst="rect">
+            <a:avLst/>
+          </a:prstGeom>
+          <a:solidFill>
+            <a:srgbClr val="00B0F0"/>
+          </a:solidFill>
+          <a:ln>
+            <a:noFill/>
+          </a:ln>
+        </p:spPr>
+        <p:style>
+          <a:lnRef idx="2">
+            <a:schemeClr val="accent1">
+              <a:shade val="50000"/>
+            </a:schemeClr>
+          </a:lnRef>
+          <a:fillRef idx="1">
+            <a:schemeClr val="accent1"/>
+          </a:fillRef>
+          <a:effectRef idx="0">
+            <a:schemeClr val="accent1"/>
+          </a:effectRef>
+          <a:fontRef idx="minor">
+            <a:schemeClr val="lt1"/>
+          </a:fontRef>
+        </p:style>
+        <p:txBody>
+          <a:bodyPr rtlCol="0" anchor="ctr"/>
+          <a:lstStyle/>
+          <a:p>
+            <a:pPr algn="ctr"/>
+            <a:endParaRPr kumimoji="1" lang="zh-SG" altLang="en-US"/>
+          </a:p>
+        </p:txBody>
+      </p:sp>
+      <p:sp>
+        <p:nvSpPr>
+          <p:cNvPr id="78" name="矩形 77">
+            <a:extLst>
+              <a:ext uri="{FF2B5EF4-FFF2-40B4-BE49-F238E27FC236}">
+                <a16:creationId xmlns:a16="http://schemas.microsoft.com/office/drawing/2014/main" id="{5761B4D5-172B-7E43-B509-1C88F88562A7}"/>
+              </a:ext>
+            </a:extLst>
+          </p:cNvPr>
+          <p:cNvSpPr/>
+          <p:nvPr/>
+        </p:nvSpPr>
+        <p:spPr>
+          <a:xfrm rot="16200000">
+            <a:off x="3250228" y="2608372"/>
+            <a:ext cx="268323" cy="692365"/>
+          </a:xfrm>
+          <a:prstGeom prst="rect">
+            <a:avLst/>
+          </a:prstGeom>
+          <a:solidFill>
+            <a:srgbClr val="00B0F0"/>
+          </a:solidFill>
+          <a:ln>
+            <a:noFill/>
+          </a:ln>
+        </p:spPr>
+        <p:style>
+          <a:lnRef idx="2">
+            <a:schemeClr val="accent1">
+              <a:shade val="50000"/>
+            </a:schemeClr>
+          </a:lnRef>
+          <a:fillRef idx="1">
+            <a:schemeClr val="accent1"/>
+          </a:fillRef>
+          <a:effectRef idx="0">
+            <a:schemeClr val="accent1"/>
+          </a:effectRef>
+          <a:fontRef idx="minor">
+            <a:schemeClr val="lt1"/>
+          </a:fontRef>
+        </p:style>
+        <p:txBody>
+          <a:bodyPr rtlCol="0" anchor="ctr"/>
+          <a:lstStyle/>
+          <a:p>
+            <a:pPr algn="ctr"/>
+            <a:endParaRPr kumimoji="1" lang="zh-SG" altLang="en-US"/>
+          </a:p>
+        </p:txBody>
+      </p:sp>
+      <p:sp>
+        <p:nvSpPr>
+          <p:cNvPr id="80" name="矩形 79">
+            <a:extLst>
+              <a:ext uri="{FF2B5EF4-FFF2-40B4-BE49-F238E27FC236}">
+                <a16:creationId xmlns:a16="http://schemas.microsoft.com/office/drawing/2014/main" id="{E7A84CCE-198C-C94B-8384-93E2E1B9F6AF}"/>
+              </a:ext>
+            </a:extLst>
+          </p:cNvPr>
+          <p:cNvSpPr/>
+          <p:nvPr/>
+        </p:nvSpPr>
+        <p:spPr>
+          <a:xfrm rot="16200000">
+            <a:off x="2530971" y="2607125"/>
+            <a:ext cx="268323" cy="692365"/>
+          </a:xfrm>
+          <a:prstGeom prst="rect">
+            <a:avLst/>
+          </a:prstGeom>
+          <a:solidFill>
+            <a:srgbClr val="00B0F0"/>
+          </a:solidFill>
+          <a:ln>
+            <a:noFill/>
+          </a:ln>
+        </p:spPr>
+        <p:style>
+          <a:lnRef idx="2">
+            <a:schemeClr val="accent1">
+              <a:shade val="50000"/>
+            </a:schemeClr>
+          </a:lnRef>
+          <a:fillRef idx="1">
+            <a:schemeClr val="accent1"/>
+          </a:fillRef>
+          <a:effectRef idx="0">
+            <a:schemeClr val="accent1"/>
+          </a:effectRef>
+          <a:fontRef idx="minor">
+            <a:schemeClr val="lt1"/>
+          </a:fontRef>
+        </p:style>
+        <p:txBody>
+          <a:bodyPr rtlCol="0" anchor="ctr"/>
+          <a:lstStyle/>
+          <a:p>
+            <a:pPr algn="ctr"/>
+            <a:endParaRPr kumimoji="1" lang="zh-SG" altLang="en-US"/>
+          </a:p>
+        </p:txBody>
+      </p:sp>
+      <p:sp>
+        <p:nvSpPr>
+          <p:cNvPr id="81" name="矩形 80">
+            <a:extLst>
+              <a:ext uri="{FF2B5EF4-FFF2-40B4-BE49-F238E27FC236}">
+                <a16:creationId xmlns:a16="http://schemas.microsoft.com/office/drawing/2014/main" id="{792B3AB1-0D33-BA49-AD5B-C44CDA236E12}"/>
+              </a:ext>
+            </a:extLst>
+          </p:cNvPr>
+          <p:cNvSpPr/>
+          <p:nvPr/>
+        </p:nvSpPr>
+        <p:spPr>
+          <a:xfrm rot="16200000">
+            <a:off x="1823388" y="2610319"/>
+            <a:ext cx="268323" cy="692365"/>
+          </a:xfrm>
+          <a:prstGeom prst="rect">
+            <a:avLst/>
+          </a:prstGeom>
+          <a:solidFill>
+            <a:srgbClr val="00B0F0"/>
+          </a:solidFill>
+          <a:ln>
+            <a:noFill/>
+          </a:ln>
+        </p:spPr>
+        <p:style>
+          <a:lnRef idx="2">
+            <a:schemeClr val="accent1">
+              <a:shade val="50000"/>
+            </a:schemeClr>
+          </a:lnRef>
+          <a:fillRef idx="1">
+            <a:schemeClr val="accent1"/>
+          </a:fillRef>
+          <a:effectRef idx="0">
+            <a:schemeClr val="accent1"/>
+          </a:effectRef>
+          <a:fontRef idx="minor">
+            <a:schemeClr val="lt1"/>
+          </a:fontRef>
+        </p:style>
+        <p:txBody>
+          <a:bodyPr rtlCol="0" anchor="ctr"/>
+          <a:lstStyle/>
+          <a:p>
+            <a:pPr algn="ctr"/>
+            <a:endParaRPr kumimoji="1" lang="zh-SG" altLang="en-US"/>
+          </a:p>
+        </p:txBody>
+      </p:sp>
+      <p:sp>
+        <p:nvSpPr>
+          <p:cNvPr id="82" name="矩形 81">
+            <a:extLst>
+              <a:ext uri="{FF2B5EF4-FFF2-40B4-BE49-F238E27FC236}">
+                <a16:creationId xmlns:a16="http://schemas.microsoft.com/office/drawing/2014/main" id="{C4FA9E91-C6A8-6D47-9309-194818D202E1}"/>
+              </a:ext>
+            </a:extLst>
+          </p:cNvPr>
+          <p:cNvSpPr/>
+          <p:nvPr/>
+        </p:nvSpPr>
+        <p:spPr>
+          <a:xfrm rot="16200000">
+            <a:off x="1105945" y="2617706"/>
+            <a:ext cx="268323" cy="692365"/>
+          </a:xfrm>
+          <a:prstGeom prst="rect">
+            <a:avLst/>
+          </a:prstGeom>
+          <a:solidFill>
+            <a:srgbClr val="00B0F0"/>
+          </a:solidFill>
+          <a:ln>
+            <a:noFill/>
+          </a:ln>
+        </p:spPr>
+        <p:style>
+          <a:lnRef idx="2">
+            <a:schemeClr val="accent1">
+              <a:shade val="50000"/>
+            </a:schemeClr>
+          </a:lnRef>
+          <a:fillRef idx="1">
+            <a:schemeClr val="accent1"/>
+          </a:fillRef>
+          <a:effectRef idx="0">
+            <a:schemeClr val="accent1"/>
+          </a:effectRef>
+          <a:fontRef idx="minor">
+            <a:schemeClr val="lt1"/>
+          </a:fontRef>
+        </p:style>
+        <p:txBody>
+          <a:bodyPr rtlCol="0" anchor="ctr"/>
+          <a:lstStyle/>
+          <a:p>
+            <a:pPr algn="ctr"/>
+            <a:endParaRPr kumimoji="1" lang="zh-SG" altLang="en-US"/>
+          </a:p>
+        </p:txBody>
+      </p:sp>
+      <p:sp>
+        <p:nvSpPr>
+          <p:cNvPr id="83" name="矩形 82">
+            <a:extLst>
+              <a:ext uri="{FF2B5EF4-FFF2-40B4-BE49-F238E27FC236}">
+                <a16:creationId xmlns:a16="http://schemas.microsoft.com/office/drawing/2014/main" id="{5B5F6AAC-4F9B-C647-95C1-779A9F7DFE12}"/>
+              </a:ext>
+            </a:extLst>
+          </p:cNvPr>
+          <p:cNvSpPr/>
+          <p:nvPr/>
+        </p:nvSpPr>
+        <p:spPr>
+          <a:xfrm rot="16200000">
+            <a:off x="386688" y="2616459"/>
+            <a:ext cx="268323" cy="692365"/>
+          </a:xfrm>
+          <a:prstGeom prst="rect">
+            <a:avLst/>
+          </a:prstGeom>
+          <a:solidFill>
+            <a:srgbClr val="00B0F0"/>
           </a:solidFill>
           <a:ln>
             <a:noFill/>
@@ -6679,8 +7464,8 @@
           </a:p>
         </p:txBody>
       </p:sp>
-      <mc:AlternateContent xmlns:mc="http://schemas.openxmlformats.org/markup-compatibility/2006">
-        <mc:Choice xmlns:a14="http://schemas.microsoft.com/office/drawing/2010/main" Requires="a14">
+      <mc:AlternateContent xmlns:mc="http://schemas.openxmlformats.org/markup-compatibility/2006" xmlns:a14="http://schemas.microsoft.com/office/drawing/2010/main">
+        <mc:Choice Requires="a14">
           <p:sp>
             <p:nvSpPr>
               <p:cNvPr id="19" name="文本框 18">
@@ -6732,7 +7517,7 @@
             </p:txBody>
           </p:sp>
         </mc:Choice>
-        <mc:Fallback>
+        <mc:Fallback xmlns="">
           <p:sp>
             <p:nvSpPr>
               <p:cNvPr id="19" name="文本框 18">
@@ -7177,8 +7962,8 @@
           </a:p>
         </p:txBody>
       </p:sp>
-      <mc:AlternateContent xmlns:mc="http://schemas.openxmlformats.org/markup-compatibility/2006">
-        <mc:Choice xmlns:a14="http://schemas.microsoft.com/office/drawing/2010/main" Requires="a14">
+      <mc:AlternateContent xmlns:mc="http://schemas.openxmlformats.org/markup-compatibility/2006" xmlns:a14="http://schemas.microsoft.com/office/drawing/2010/main">
+        <mc:Choice Requires="a14">
           <p:sp>
             <p:nvSpPr>
               <p:cNvPr id="28" name="文本框 27">
@@ -7230,7 +8015,7 @@
             </p:txBody>
           </p:sp>
         </mc:Choice>
-        <mc:Fallback>
+        <mc:Fallback xmlns="">
           <p:sp>
             <p:nvSpPr>
               <p:cNvPr id="28" name="文本框 27">
@@ -7647,8 +8432,8 @@
           </a:fontRef>
         </p:style>
       </p:cxnSp>
-      <mc:AlternateContent xmlns:mc="http://schemas.openxmlformats.org/markup-compatibility/2006">
-        <mc:Choice xmlns:a14="http://schemas.microsoft.com/office/drawing/2010/main" Requires="a14">
+      <mc:AlternateContent xmlns:mc="http://schemas.openxmlformats.org/markup-compatibility/2006" xmlns:a14="http://schemas.microsoft.com/office/drawing/2010/main">
+        <mc:Choice Requires="a14">
           <p:sp>
             <p:nvSpPr>
               <p:cNvPr id="53" name="文本框 52">
@@ -7712,7 +8497,7 @@
             </p:txBody>
           </p:sp>
         </mc:Choice>
-        <mc:Fallback>
+        <mc:Fallback xmlns="">
           <p:sp>
             <p:nvSpPr>
               <p:cNvPr id="53" name="文本框 52">
@@ -7936,8 +8721,8 @@
           </a:p>
         </p:txBody>
       </p:sp>
-      <mc:AlternateContent xmlns:mc="http://schemas.openxmlformats.org/markup-compatibility/2006">
-        <mc:Choice xmlns:a14="http://schemas.microsoft.com/office/drawing/2010/main" Requires="a14">
+      <mc:AlternateContent xmlns:mc="http://schemas.openxmlformats.org/markup-compatibility/2006" xmlns:a14="http://schemas.microsoft.com/office/drawing/2010/main">
+        <mc:Choice Requires="a14">
           <p:sp>
             <p:nvSpPr>
               <p:cNvPr id="60" name="文本框 59">
@@ -8003,7 +8788,7 @@
             </p:txBody>
           </p:sp>
         </mc:Choice>
-        <mc:Fallback>
+        <mc:Fallback xmlns="">
           <p:sp>
             <p:nvSpPr>
               <p:cNvPr id="60" name="文本框 59">

--- a/lessflow/LessFlow_details.pptx
+++ b/lessflow/LessFlow_details.pptx
@@ -4987,8 +4987,8 @@
           </a:p>
         </p:txBody>
       </p:sp>
-      <mc:AlternateContent xmlns:mc="http://schemas.openxmlformats.org/markup-compatibility/2006">
-        <mc:Choice xmlns:a14="http://schemas.microsoft.com/office/drawing/2010/main" Requires="a14">
+      <mc:AlternateContent xmlns:mc="http://schemas.openxmlformats.org/markup-compatibility/2006" xmlns:a14="http://schemas.microsoft.com/office/drawing/2010/main">
+        <mc:Choice Requires="a14">
           <p:sp>
             <p:nvSpPr>
               <p:cNvPr id="104" name="文本框 103">
@@ -5040,7 +5040,7 @@
             </p:txBody>
           </p:sp>
         </mc:Choice>
-        <mc:Fallback>
+        <mc:Fallback xmlns="">
           <p:sp>
             <p:nvSpPr>
               <p:cNvPr id="104" name="文本框 103">
@@ -5185,7 +5185,7 @@
         <p:spPr>
           <a:xfrm>
             <a:off x="1064234" y="1036201"/>
-            <a:ext cx="3523337" cy="400110"/>
+            <a:ext cx="3624326" cy="400110"/>
           </a:xfrm>
           <a:prstGeom prst="rect">
             <a:avLst/>
@@ -5898,7 +5898,7 @@
         </p:nvCxnSpPr>
         <p:spPr>
           <a:xfrm flipV="1">
-            <a:off x="8981049" y="580612"/>
+            <a:off x="8981049" y="649178"/>
             <a:ext cx="35030" cy="3308456"/>
           </a:xfrm>
           <a:prstGeom prst="line">

--- a/lessflow/LessFlow_details.pptx
+++ b/lessflow/LessFlow_details.pptx
@@ -262,7 +262,7 @@
           <a:p>
             <a:fld id="{76465AE9-6046-DF49-85F9-EDC53AD2841B}" type="datetimeFigureOut">
               <a:rPr kumimoji="1" lang="zh-SG" altLang="en-US" smtClean="0"/>
-              <a:t>12/03/24</a:t>
+              <a:t>13/03/24</a:t>
             </a:fld>
             <a:endParaRPr kumimoji="1" lang="zh-SG" altLang="en-US"/>
           </a:p>
@@ -462,7 +462,7 @@
           <a:p>
             <a:fld id="{76465AE9-6046-DF49-85F9-EDC53AD2841B}" type="datetimeFigureOut">
               <a:rPr kumimoji="1" lang="zh-SG" altLang="en-US" smtClean="0"/>
-              <a:t>12/03/24</a:t>
+              <a:t>13/03/24</a:t>
             </a:fld>
             <a:endParaRPr kumimoji="1" lang="zh-SG" altLang="en-US"/>
           </a:p>
@@ -672,7 +672,7 @@
           <a:p>
             <a:fld id="{76465AE9-6046-DF49-85F9-EDC53AD2841B}" type="datetimeFigureOut">
               <a:rPr kumimoji="1" lang="zh-SG" altLang="en-US" smtClean="0"/>
-              <a:t>12/03/24</a:t>
+              <a:t>13/03/24</a:t>
             </a:fld>
             <a:endParaRPr kumimoji="1" lang="zh-SG" altLang="en-US"/>
           </a:p>
@@ -872,7 +872,7 @@
           <a:p>
             <a:fld id="{76465AE9-6046-DF49-85F9-EDC53AD2841B}" type="datetimeFigureOut">
               <a:rPr kumimoji="1" lang="zh-SG" altLang="en-US" smtClean="0"/>
-              <a:t>12/03/24</a:t>
+              <a:t>13/03/24</a:t>
             </a:fld>
             <a:endParaRPr kumimoji="1" lang="zh-SG" altLang="en-US"/>
           </a:p>
@@ -1148,7 +1148,7 @@
           <a:p>
             <a:fld id="{76465AE9-6046-DF49-85F9-EDC53AD2841B}" type="datetimeFigureOut">
               <a:rPr kumimoji="1" lang="zh-SG" altLang="en-US" smtClean="0"/>
-              <a:t>12/03/24</a:t>
+              <a:t>13/03/24</a:t>
             </a:fld>
             <a:endParaRPr kumimoji="1" lang="zh-SG" altLang="en-US"/>
           </a:p>
@@ -1416,7 +1416,7 @@
           <a:p>
             <a:fld id="{76465AE9-6046-DF49-85F9-EDC53AD2841B}" type="datetimeFigureOut">
               <a:rPr kumimoji="1" lang="zh-SG" altLang="en-US" smtClean="0"/>
-              <a:t>12/03/24</a:t>
+              <a:t>13/03/24</a:t>
             </a:fld>
             <a:endParaRPr kumimoji="1" lang="zh-SG" altLang="en-US"/>
           </a:p>
@@ -1831,7 +1831,7 @@
           <a:p>
             <a:fld id="{76465AE9-6046-DF49-85F9-EDC53AD2841B}" type="datetimeFigureOut">
               <a:rPr kumimoji="1" lang="zh-SG" altLang="en-US" smtClean="0"/>
-              <a:t>12/03/24</a:t>
+              <a:t>13/03/24</a:t>
             </a:fld>
             <a:endParaRPr kumimoji="1" lang="zh-SG" altLang="en-US"/>
           </a:p>
@@ -1973,7 +1973,7 @@
           <a:p>
             <a:fld id="{76465AE9-6046-DF49-85F9-EDC53AD2841B}" type="datetimeFigureOut">
               <a:rPr kumimoji="1" lang="zh-SG" altLang="en-US" smtClean="0"/>
-              <a:t>12/03/24</a:t>
+              <a:t>13/03/24</a:t>
             </a:fld>
             <a:endParaRPr kumimoji="1" lang="zh-SG" altLang="en-US"/>
           </a:p>
@@ -2086,7 +2086,7 @@
           <a:p>
             <a:fld id="{76465AE9-6046-DF49-85F9-EDC53AD2841B}" type="datetimeFigureOut">
               <a:rPr kumimoji="1" lang="zh-SG" altLang="en-US" smtClean="0"/>
-              <a:t>12/03/24</a:t>
+              <a:t>13/03/24</a:t>
             </a:fld>
             <a:endParaRPr kumimoji="1" lang="zh-SG" altLang="en-US"/>
           </a:p>
@@ -2399,7 +2399,7 @@
           <a:p>
             <a:fld id="{76465AE9-6046-DF49-85F9-EDC53AD2841B}" type="datetimeFigureOut">
               <a:rPr kumimoji="1" lang="zh-SG" altLang="en-US" smtClean="0"/>
-              <a:t>12/03/24</a:t>
+              <a:t>13/03/24</a:t>
             </a:fld>
             <a:endParaRPr kumimoji="1" lang="zh-SG" altLang="en-US"/>
           </a:p>
@@ -2688,7 +2688,7 @@
           <a:p>
             <a:fld id="{76465AE9-6046-DF49-85F9-EDC53AD2841B}" type="datetimeFigureOut">
               <a:rPr kumimoji="1" lang="zh-SG" altLang="en-US" smtClean="0"/>
-              <a:t>12/03/24</a:t>
+              <a:t>13/03/24</a:t>
             </a:fld>
             <a:endParaRPr kumimoji="1" lang="zh-SG" altLang="en-US"/>
           </a:p>
@@ -2931,7 +2931,7 @@
           <a:p>
             <a:fld id="{76465AE9-6046-DF49-85F9-EDC53AD2841B}" type="datetimeFigureOut">
               <a:rPr kumimoji="1" lang="zh-SG" altLang="en-US" smtClean="0"/>
-              <a:t>12/03/24</a:t>
+              <a:t>13/03/24</a:t>
             </a:fld>
             <a:endParaRPr kumimoji="1" lang="zh-SG" altLang="en-US"/>
           </a:p>
@@ -3348,6 +3348,61 @@
           <a:chExt cx="0" cy="0"/>
         </a:xfrm>
       </p:grpSpPr>
+      <p:sp>
+        <p:nvSpPr>
+          <p:cNvPr id="4" name="矩形 3">
+            <a:extLst>
+              <a:ext uri="{FF2B5EF4-FFF2-40B4-BE49-F238E27FC236}">
+                <a16:creationId xmlns:a16="http://schemas.microsoft.com/office/drawing/2014/main" id="{A33E3C76-38D0-674F-9FD3-61B0EDC545CF}"/>
+              </a:ext>
+            </a:extLst>
+          </p:cNvPr>
+          <p:cNvSpPr/>
+          <p:nvPr/>
+        </p:nvSpPr>
+        <p:spPr>
+          <a:xfrm>
+            <a:off x="278780" y="390294"/>
+            <a:ext cx="8651828" cy="3780262"/>
+          </a:xfrm>
+          <a:prstGeom prst="rect">
+            <a:avLst/>
+          </a:prstGeom>
+          <a:solidFill>
+            <a:schemeClr val="bg2">
+              <a:lumMod val="90000"/>
+              <a:alpha val="56863"/>
+            </a:schemeClr>
+          </a:solidFill>
+          <a:ln>
+            <a:noFill/>
+          </a:ln>
+        </p:spPr>
+        <p:style>
+          <a:lnRef idx="2">
+            <a:schemeClr val="accent1">
+              <a:shade val="50000"/>
+            </a:schemeClr>
+          </a:lnRef>
+          <a:fillRef idx="1">
+            <a:schemeClr val="accent1"/>
+          </a:fillRef>
+          <a:effectRef idx="0">
+            <a:schemeClr val="accent1"/>
+          </a:effectRef>
+          <a:fontRef idx="minor">
+            <a:schemeClr val="lt1"/>
+          </a:fontRef>
+        </p:style>
+        <p:txBody>
+          <a:bodyPr rtlCol="0" anchor="ctr"/>
+          <a:lstStyle/>
+          <a:p>
+            <a:pPr algn="ctr"/>
+            <a:endParaRPr kumimoji="1" lang="zh-SG" altLang="en-US"/>
+          </a:p>
+        </p:txBody>
+      </p:sp>
       <p:cxnSp>
         <p:nvCxnSpPr>
           <p:cNvPr id="5" name="直线连接符 4">
@@ -3364,8 +3419,8 @@
         </p:nvCxnSpPr>
         <p:spPr>
           <a:xfrm flipV="1">
-            <a:off x="4625985" y="649178"/>
-            <a:ext cx="35030" cy="3308456"/>
+            <a:off x="4482595" y="662110"/>
+            <a:ext cx="0" cy="3010668"/>
           </a:xfrm>
           <a:prstGeom prst="line">
             <a:avLst/>
@@ -3406,8 +3461,8 @@
         </p:nvSpPr>
         <p:spPr>
           <a:xfrm>
-            <a:off x="4702712" y="3434414"/>
-            <a:ext cx="893193" cy="523220"/>
+            <a:off x="3476198" y="3724877"/>
+            <a:ext cx="1922899" cy="400110"/>
           </a:xfrm>
           <a:prstGeom prst="rect">
             <a:avLst/>
@@ -3421,10 +3476,14 @@
           <a:lstStyle/>
           <a:p>
             <a:r>
-              <a:rPr kumimoji="1" lang="en-US" altLang="zh-CN" sz="2800" dirty="0"/>
-              <a:t>RNIC</a:t>
+              <a:rPr kumimoji="1" lang="en-US" altLang="zh-CN" sz="2000" dirty="0" err="1"/>
+              <a:t>LessFLow</a:t>
             </a:r>
-            <a:endParaRPr kumimoji="1" lang="zh-SG" altLang="en-US" sz="2800" dirty="0"/>
+            <a:r>
+              <a:rPr kumimoji="1" lang="en-US" altLang="zh-CN" sz="2000" dirty="0"/>
+              <a:t> Design</a:t>
+            </a:r>
+            <a:endParaRPr kumimoji="1" lang="zh-SG" altLang="en-US" sz="2000" dirty="0"/>
           </a:p>
         </p:txBody>
       </p:sp>
@@ -3798,161 +3857,6 @@
           </a:p>
         </p:txBody>
       </p:sp>
-      <mc:AlternateContent xmlns:mc="http://schemas.openxmlformats.org/markup-compatibility/2006" xmlns:a14="http://schemas.microsoft.com/office/drawing/2010/main">
-        <mc:Choice Requires="a14">
-          <p:sp>
-            <p:nvSpPr>
-              <p:cNvPr id="60" name="文本框 59">
-                <a:extLst>
-                  <a:ext uri="{FF2B5EF4-FFF2-40B4-BE49-F238E27FC236}">
-                    <a16:creationId xmlns:a16="http://schemas.microsoft.com/office/drawing/2014/main" id="{ED87D5A7-471D-2C4A-8BF5-5DC69017DDE5}"/>
-                  </a:ext>
-                </a:extLst>
-              </p:cNvPr>
-              <p:cNvSpPr txBox="1"/>
-              <p:nvPr/>
-            </p:nvSpPr>
-            <p:spPr>
-              <a:xfrm>
-                <a:off x="9812883" y="2632305"/>
-                <a:ext cx="2378281" cy="923330"/>
-              </a:xfrm>
-              <a:prstGeom prst="rect">
-                <a:avLst/>
-              </a:prstGeom>
-              <a:noFill/>
-            </p:spPr>
-            <p:txBody>
-              <a:bodyPr wrap="square" rtlCol="0">
-                <a:spAutoFit/>
-              </a:bodyPr>
-              <a:lstStyle/>
-              <a:p>
-                <a14:m>
-                  <m:oMath xmlns:m="http://schemas.openxmlformats.org/officeDocument/2006/math">
-                    <m:r>
-                      <a:rPr kumimoji="1" lang="en-US" altLang="zh-CN" sz="1800" b="0" i="1" smtClean="0">
-                        <a:latin typeface="Cambria Math" panose="02040503050406030204" pitchFamily="18" charset="0"/>
-                      </a:rPr>
-                      <m:t>𝑚</m:t>
-                    </m:r>
-                    <m:r>
-                      <a:rPr kumimoji="1" lang="zh-CN" altLang="en-US" sz="1800" b="0" i="0" smtClean="0">
-                        <a:latin typeface="Cambria Math" panose="02040503050406030204" pitchFamily="18" charset="0"/>
-                      </a:rPr>
-                      <m:t>∗</m:t>
-                    </m:r>
-                    <m:r>
-                      <m:rPr>
-                        <m:sty m:val="p"/>
-                      </m:rPr>
-                      <a:rPr kumimoji="1" lang="en-US" altLang="zh-CN" sz="1800" b="0" i="0" smtClean="0">
-                        <a:latin typeface="Cambria Math" panose="02040503050406030204" pitchFamily="18" charset="0"/>
-                      </a:rPr>
-                      <m:t>s</m:t>
-                    </m:r>
-                  </m:oMath>
-                </a14:m>
-                <a:r>
-                  <a:rPr kumimoji="1" lang="zh-CN" altLang="en-US" dirty="0"/>
-                  <a:t> </a:t>
-                </a:r>
-                <a:r>
-                  <a:rPr kumimoji="1" lang="en-US" altLang="zh-CN" dirty="0"/>
-                  <a:t>&gt;</a:t>
-                </a:r>
-                <a:r>
-                  <a:rPr kumimoji="1" lang="zh-CN" altLang="en-US" dirty="0"/>
-                  <a:t> </a:t>
-                </a:r>
-                <a:r>
-                  <a:rPr kumimoji="1" lang="en-US" altLang="zh-CN" dirty="0"/>
-                  <a:t>BDP</a:t>
-                </a:r>
-                <a:r>
-                  <a:rPr kumimoji="1" lang="zh-CN" altLang="en-US" dirty="0"/>
-                  <a:t> </a:t>
-                </a:r>
-                <a:endParaRPr kumimoji="1" lang="en-US" altLang="zh-CN" dirty="0"/>
-              </a:p>
-              <a:p>
-                <a:r>
-                  <a:rPr kumimoji="1" lang="en-US" altLang="zh-CN" dirty="0"/>
-                  <a:t>for</a:t>
-                </a:r>
-                <a:r>
-                  <a:rPr kumimoji="1" lang="zh-CN" altLang="en-US" dirty="0"/>
-                  <a:t> </a:t>
-                </a:r>
-                <a:r>
-                  <a:rPr kumimoji="1" lang="en-US" altLang="zh-CN" dirty="0"/>
-                  <a:t>utilizing</a:t>
-                </a:r>
-                <a:r>
-                  <a:rPr kumimoji="1" lang="zh-CN" altLang="en-US" dirty="0"/>
-                  <a:t> </a:t>
-                </a:r>
-                <a:r>
-                  <a:rPr kumimoji="1" lang="en-US" altLang="zh-CN" dirty="0"/>
-                  <a:t>throughput</a:t>
-                </a:r>
-                <a:r>
-                  <a:rPr kumimoji="1" lang="zh-CN" altLang="en-US" dirty="0"/>
-                  <a:t> </a:t>
-                </a:r>
-                <a:endParaRPr kumimoji="1" lang="en-US" altLang="zh-CN" dirty="0"/>
-              </a:p>
-              <a:p>
-                <a:endParaRPr kumimoji="1" lang="zh-SG" altLang="en-US" dirty="0"/>
-              </a:p>
-            </p:txBody>
-          </p:sp>
-        </mc:Choice>
-        <mc:Fallback xmlns="">
-          <p:sp>
-            <p:nvSpPr>
-              <p:cNvPr id="60" name="文本框 59">
-                <a:extLst>
-                  <a:ext uri="{FF2B5EF4-FFF2-40B4-BE49-F238E27FC236}">
-                    <a16:creationId xmlns:a16="http://schemas.microsoft.com/office/drawing/2014/main" id="{ED87D5A7-471D-2C4A-8BF5-5DC69017DDE5}"/>
-                  </a:ext>
-                </a:extLst>
-              </p:cNvPr>
-              <p:cNvSpPr txBox="1">
-                <a:spLocks noRot="1" noChangeAspect="1" noMove="1" noResize="1" noEditPoints="1" noAdjustHandles="1" noChangeArrowheads="1" noChangeShapeType="1" noTextEdit="1"/>
-              </p:cNvSpPr>
-              <p:nvPr/>
-            </p:nvSpPr>
-            <p:spPr>
-              <a:xfrm>
-                <a:off x="9812883" y="2632305"/>
-                <a:ext cx="2378281" cy="923330"/>
-              </a:xfrm>
-              <a:prstGeom prst="rect">
-                <a:avLst/>
-              </a:prstGeom>
-              <a:blipFill>
-                <a:blip r:embed="rId3"/>
-                <a:stretch>
-                  <a:fillRect l="-2116" t="-4110"/>
-                </a:stretch>
-              </a:blipFill>
-            </p:spPr>
-            <p:txBody>
-              <a:bodyPr/>
-              <a:lstStyle/>
-              <a:p>
-                <a:r>
-                  <a:rPr lang="zh-SG" altLang="en-US">
-                    <a:noFill/>
-                  </a:rPr>
-                  <a:t> </a:t>
-                </a:r>
-              </a:p>
-            </p:txBody>
-          </p:sp>
-        </mc:Fallback>
-      </mc:AlternateContent>
       <p:sp>
         <p:nvSpPr>
           <p:cNvPr id="63" name="矩形 62">
@@ -4987,8 +4891,8 @@
           </a:p>
         </p:txBody>
       </p:sp>
-      <mc:AlternateContent xmlns:mc="http://schemas.openxmlformats.org/markup-compatibility/2006" xmlns:a14="http://schemas.microsoft.com/office/drawing/2010/main">
-        <mc:Choice Requires="a14">
+      <mc:AlternateContent xmlns:mc="http://schemas.openxmlformats.org/markup-compatibility/2006">
+        <mc:Choice xmlns:a14="http://schemas.microsoft.com/office/drawing/2010/main" Requires="a14">
           <p:sp>
             <p:nvSpPr>
               <p:cNvPr id="104" name="文本框 103">
@@ -5003,7 +4907,7 @@
             </p:nvSpPr>
             <p:spPr>
               <a:xfrm>
-                <a:off x="-1058842" y="2129464"/>
+                <a:off x="377927" y="1942814"/>
                 <a:ext cx="943913" cy="400110"/>
               </a:xfrm>
               <a:prstGeom prst="rect">
@@ -5040,7 +4944,7 @@
             </p:txBody>
           </p:sp>
         </mc:Choice>
-        <mc:Fallback xmlns="">
+        <mc:Fallback>
           <p:sp>
             <p:nvSpPr>
               <p:cNvPr id="104" name="文本框 103">
@@ -5057,7 +4961,7 @@
             </p:nvSpPr>
             <p:spPr>
               <a:xfrm>
-                <a:off x="-1058842" y="2129464"/>
+                <a:off x="377927" y="1942814"/>
                 <a:ext cx="943913" cy="400110"/>
               </a:xfrm>
               <a:prstGeom prst="rect">
@@ -5066,7 +4970,7 @@
               <a:blipFill>
                 <a:blip r:embed="rId5"/>
                 <a:stretch>
-                  <a:fillRect t="-6061" r="-6667" b="-24242"/>
+                  <a:fillRect t="-9375" r="-5263" b="-25000"/>
                 </a:stretch>
               </a:blipFill>
             </p:spPr>
@@ -5087,10 +4991,10 @@
       </mc:AlternateContent>
       <p:sp>
         <p:nvSpPr>
-          <p:cNvPr id="105" name="文本框 104">
-            <a:extLst>
-              <a:ext uri="{FF2B5EF4-FFF2-40B4-BE49-F238E27FC236}">
-                <a16:creationId xmlns:a16="http://schemas.microsoft.com/office/drawing/2014/main" id="{5194D506-3717-1049-8785-A1ECD325AD0F}"/>
+          <p:cNvPr id="107" name="文本框 106">
+            <a:extLst>
+              <a:ext uri="{FF2B5EF4-FFF2-40B4-BE49-F238E27FC236}">
+                <a16:creationId xmlns:a16="http://schemas.microsoft.com/office/drawing/2014/main" id="{BCB26A6E-245B-B94C-8174-07440C6A4E80}"/>
               </a:ext>
             </a:extLst>
           </p:cNvPr>
@@ -5098,93 +5002,8 @@
           <p:nvPr/>
         </p:nvSpPr>
         <p:spPr>
-          <a:xfrm rot="5400000">
-            <a:off x="2737663" y="2171250"/>
-            <a:ext cx="574196" cy="769441"/>
-          </a:xfrm>
-          <a:prstGeom prst="rect">
-            <a:avLst/>
-          </a:prstGeom>
-          <a:noFill/>
-        </p:spPr>
-        <p:txBody>
-          <a:bodyPr wrap="none" rtlCol="0">
-            <a:spAutoFit/>
-          </a:bodyPr>
-          <a:lstStyle/>
-          <a:p>
-            <a:r>
-              <a:rPr kumimoji="1" lang="en-US" altLang="zh-SG" sz="4400" dirty="0"/>
-              <a:t>…</a:t>
-            </a:r>
-            <a:endParaRPr kumimoji="1" lang="zh-SG" altLang="en-US" sz="4400" dirty="0"/>
-          </a:p>
-        </p:txBody>
-      </p:sp>
-      <p:sp>
-        <p:nvSpPr>
-          <p:cNvPr id="106" name="右大括号 105">
-            <a:extLst>
-              <a:ext uri="{FF2B5EF4-FFF2-40B4-BE49-F238E27FC236}">
-                <a16:creationId xmlns:a16="http://schemas.microsoft.com/office/drawing/2014/main" id="{1DD51A11-44C0-E84F-B953-0F78771F3192}"/>
-              </a:ext>
-            </a:extLst>
-          </p:cNvPr>
-          <p:cNvSpPr/>
-          <p:nvPr/>
-        </p:nvSpPr>
-        <p:spPr>
-          <a:xfrm rot="10800000">
-            <a:off x="-113896" y="1563151"/>
-            <a:ext cx="228519" cy="1596557"/>
-          </a:xfrm>
-          <a:prstGeom prst="rightBrace">
-            <a:avLst/>
-          </a:prstGeom>
-          <a:ln w="28575">
-            <a:solidFill>
-              <a:schemeClr val="tx1"/>
-            </a:solidFill>
-          </a:ln>
-        </p:spPr>
-        <p:style>
-          <a:lnRef idx="1">
-            <a:schemeClr val="accent1"/>
-          </a:lnRef>
-          <a:fillRef idx="0">
-            <a:schemeClr val="accent1"/>
-          </a:fillRef>
-          <a:effectRef idx="0">
-            <a:schemeClr val="accent1"/>
-          </a:effectRef>
-          <a:fontRef idx="minor">
-            <a:schemeClr val="tx1"/>
-          </a:fontRef>
-        </p:style>
-        <p:txBody>
-          <a:bodyPr rtlCol="0" anchor="ctr"/>
-          <a:lstStyle/>
-          <a:p>
-            <a:pPr algn="ctr"/>
-            <a:endParaRPr kumimoji="1" lang="zh-SG" altLang="en-US"/>
-          </a:p>
-        </p:txBody>
-      </p:sp>
-      <p:sp>
-        <p:nvSpPr>
-          <p:cNvPr id="107" name="文本框 106">
-            <a:extLst>
-              <a:ext uri="{FF2B5EF4-FFF2-40B4-BE49-F238E27FC236}">
-                <a16:creationId xmlns:a16="http://schemas.microsoft.com/office/drawing/2014/main" id="{BCB26A6E-245B-B94C-8174-07440C6A4E80}"/>
-              </a:ext>
-            </a:extLst>
-          </p:cNvPr>
-          <p:cNvSpPr txBox="1"/>
-          <p:nvPr/>
-        </p:nvSpPr>
-        <p:spPr>
           <a:xfrm>
-            <a:off x="1064234" y="1036201"/>
+            <a:off x="993579" y="1127357"/>
             <a:ext cx="3624326" cy="400110"/>
           </a:xfrm>
           <a:prstGeom prst="rect">
@@ -5926,939 +5745,1081 @@
           </a:fontRef>
         </p:style>
       </p:cxnSp>
-      <p:sp>
-        <p:nvSpPr>
-          <p:cNvPr id="52" name="矩形 51">
-            <a:extLst>
-              <a:ext uri="{FF2B5EF4-FFF2-40B4-BE49-F238E27FC236}">
-                <a16:creationId xmlns:a16="http://schemas.microsoft.com/office/drawing/2014/main" id="{5FE3D721-0E95-6D49-B9B2-0F053900D38A}"/>
-              </a:ext>
-            </a:extLst>
-          </p:cNvPr>
-          <p:cNvSpPr/>
+      <p:grpSp>
+        <p:nvGrpSpPr>
+          <p:cNvPr id="3" name="组合 2">
+            <a:extLst>
+              <a:ext uri="{FF2B5EF4-FFF2-40B4-BE49-F238E27FC236}">
+                <a16:creationId xmlns:a16="http://schemas.microsoft.com/office/drawing/2014/main" id="{69569228-CF52-E141-AEA7-1D5530AB9AA3}"/>
+              </a:ext>
+            </a:extLst>
+          </p:cNvPr>
+          <p:cNvGrpSpPr/>
           <p:nvPr/>
-        </p:nvSpPr>
-        <p:spPr>
-          <a:xfrm rot="16200000">
-            <a:off x="3969362" y="1356374"/>
-            <a:ext cx="268323" cy="680091"/>
+        </p:nvGrpSpPr>
+        <p:grpSpPr>
+          <a:xfrm>
+            <a:off x="1283981" y="1569602"/>
+            <a:ext cx="3088285" cy="1255820"/>
+            <a:chOff x="-113896" y="1562258"/>
+            <a:chExt cx="4561911" cy="1597450"/>
+          </a:xfrm>
+        </p:grpSpPr>
+        <p:sp>
+          <p:nvSpPr>
+            <p:cNvPr id="105" name="文本框 104">
+              <a:extLst>
+                <a:ext uri="{FF2B5EF4-FFF2-40B4-BE49-F238E27FC236}">
+                  <a16:creationId xmlns:a16="http://schemas.microsoft.com/office/drawing/2014/main" id="{5194D506-3717-1049-8785-A1ECD325AD0F}"/>
+                </a:ext>
+              </a:extLst>
+            </p:cNvPr>
+            <p:cNvSpPr txBox="1"/>
+            <p:nvPr/>
+          </p:nvSpPr>
+          <p:spPr>
+            <a:xfrm rot="5400000">
+              <a:off x="2738066" y="2146797"/>
+              <a:ext cx="573389" cy="818347"/>
+            </a:xfrm>
+            <a:prstGeom prst="rect">
+              <a:avLst/>
+            </a:prstGeom>
+            <a:noFill/>
+          </p:spPr>
+          <p:txBody>
+            <a:bodyPr wrap="none" rtlCol="0">
+              <a:spAutoFit/>
+            </a:bodyPr>
+            <a:lstStyle/>
+            <a:p>
+              <a:r>
+                <a:rPr kumimoji="1" lang="en-US" altLang="zh-SG" sz="3000" dirty="0"/>
+                <a:t>…</a:t>
+              </a:r>
+              <a:endParaRPr kumimoji="1" lang="zh-SG" altLang="en-US" sz="3000" dirty="0"/>
+            </a:p>
+          </p:txBody>
+        </p:sp>
+        <p:sp>
+          <p:nvSpPr>
+            <p:cNvPr id="106" name="右大括号 105">
+              <a:extLst>
+                <a:ext uri="{FF2B5EF4-FFF2-40B4-BE49-F238E27FC236}">
+                  <a16:creationId xmlns:a16="http://schemas.microsoft.com/office/drawing/2014/main" id="{1DD51A11-44C0-E84F-B953-0F78771F3192}"/>
+                </a:ext>
+              </a:extLst>
+            </p:cNvPr>
+            <p:cNvSpPr/>
+            <p:nvPr/>
+          </p:nvSpPr>
+          <p:spPr>
+            <a:xfrm rot="10800000">
+              <a:off x="-113896" y="1563151"/>
+              <a:ext cx="228519" cy="1596557"/>
+            </a:xfrm>
+            <a:prstGeom prst="rightBrace">
+              <a:avLst/>
+            </a:prstGeom>
+            <a:ln w="28575">
+              <a:solidFill>
+                <a:schemeClr val="tx1"/>
+              </a:solidFill>
+            </a:ln>
+          </p:spPr>
+          <p:style>
+            <a:lnRef idx="1">
+              <a:schemeClr val="accent1"/>
+            </a:lnRef>
+            <a:fillRef idx="0">
+              <a:schemeClr val="accent1"/>
+            </a:fillRef>
+            <a:effectRef idx="0">
+              <a:schemeClr val="accent1"/>
+            </a:effectRef>
+            <a:fontRef idx="minor">
+              <a:schemeClr val="tx1"/>
+            </a:fontRef>
+          </p:style>
+          <p:txBody>
+            <a:bodyPr rtlCol="0" anchor="ctr"/>
+            <a:lstStyle/>
+            <a:p>
+              <a:pPr algn="ctr"/>
+              <a:endParaRPr kumimoji="1" lang="zh-SG" altLang="en-US"/>
+            </a:p>
+          </p:txBody>
+        </p:sp>
+        <p:sp>
+          <p:nvSpPr>
+            <p:cNvPr id="52" name="矩形 51">
+              <a:extLst>
+                <a:ext uri="{FF2B5EF4-FFF2-40B4-BE49-F238E27FC236}">
+                  <a16:creationId xmlns:a16="http://schemas.microsoft.com/office/drawing/2014/main" id="{5FE3D721-0E95-6D49-B9B2-0F053900D38A}"/>
+                </a:ext>
+              </a:extLst>
+            </p:cNvPr>
+            <p:cNvSpPr/>
+            <p:nvPr/>
+          </p:nvSpPr>
+          <p:spPr>
+            <a:xfrm rot="16200000">
+              <a:off x="3969362" y="1356374"/>
+              <a:ext cx="268323" cy="680091"/>
+            </a:xfrm>
+            <a:prstGeom prst="rect">
+              <a:avLst/>
+            </a:prstGeom>
+            <a:solidFill>
+              <a:srgbClr val="FF0000"/>
+            </a:solidFill>
+            <a:ln>
+              <a:noFill/>
+            </a:ln>
+          </p:spPr>
+          <p:style>
+            <a:lnRef idx="2">
+              <a:schemeClr val="accent1">
+                <a:shade val="50000"/>
+              </a:schemeClr>
+            </a:lnRef>
+            <a:fillRef idx="1">
+              <a:schemeClr val="accent1"/>
+            </a:fillRef>
+            <a:effectRef idx="0">
+              <a:schemeClr val="accent1"/>
+            </a:effectRef>
+            <a:fontRef idx="minor">
+              <a:schemeClr val="lt1"/>
+            </a:fontRef>
+          </p:style>
+          <p:txBody>
+            <a:bodyPr rtlCol="0" anchor="ctr"/>
+            <a:lstStyle/>
+            <a:p>
+              <a:pPr algn="ctr"/>
+              <a:endParaRPr kumimoji="1" lang="zh-SG" altLang="en-US"/>
+            </a:p>
+          </p:txBody>
+        </p:sp>
+        <p:sp>
+          <p:nvSpPr>
+            <p:cNvPr id="53" name="矩形 52">
+              <a:extLst>
+                <a:ext uri="{FF2B5EF4-FFF2-40B4-BE49-F238E27FC236}">
+                  <a16:creationId xmlns:a16="http://schemas.microsoft.com/office/drawing/2014/main" id="{F73285F5-F1A6-0B4D-A95A-223283B7BC04}"/>
+                </a:ext>
+              </a:extLst>
+            </p:cNvPr>
+            <p:cNvSpPr/>
+            <p:nvPr/>
+          </p:nvSpPr>
+          <p:spPr>
+            <a:xfrm rot="16200000">
+              <a:off x="3262513" y="1361103"/>
+              <a:ext cx="268323" cy="680091"/>
+            </a:xfrm>
+            <a:prstGeom prst="rect">
+              <a:avLst/>
+            </a:prstGeom>
+            <a:solidFill>
+              <a:srgbClr val="FF0000"/>
+            </a:solidFill>
+            <a:ln>
+              <a:noFill/>
+            </a:ln>
+          </p:spPr>
+          <p:style>
+            <a:lnRef idx="2">
+              <a:schemeClr val="accent1">
+                <a:shade val="50000"/>
+              </a:schemeClr>
+            </a:lnRef>
+            <a:fillRef idx="1">
+              <a:schemeClr val="accent1"/>
+            </a:fillRef>
+            <a:effectRef idx="0">
+              <a:schemeClr val="accent1"/>
+            </a:effectRef>
+            <a:fontRef idx="minor">
+              <a:schemeClr val="lt1"/>
+            </a:fontRef>
+          </p:style>
+          <p:txBody>
+            <a:bodyPr rtlCol="0" anchor="ctr"/>
+            <a:lstStyle/>
+            <a:p>
+              <a:pPr algn="ctr"/>
+              <a:endParaRPr kumimoji="1" lang="zh-SG" altLang="en-US"/>
+            </a:p>
+          </p:txBody>
+        </p:sp>
+        <p:sp>
+          <p:nvSpPr>
+            <p:cNvPr id="55" name="矩形 54">
+              <a:extLst>
+                <a:ext uri="{FF2B5EF4-FFF2-40B4-BE49-F238E27FC236}">
+                  <a16:creationId xmlns:a16="http://schemas.microsoft.com/office/drawing/2014/main" id="{05DB009C-0558-4C4C-99C6-1212D4CDFE1A}"/>
+                </a:ext>
+              </a:extLst>
+            </p:cNvPr>
+            <p:cNvSpPr/>
+            <p:nvPr/>
+          </p:nvSpPr>
+          <p:spPr>
+            <a:xfrm rot="16200000">
+              <a:off x="2560498" y="1360817"/>
+              <a:ext cx="268323" cy="680091"/>
+            </a:xfrm>
+            <a:prstGeom prst="rect">
+              <a:avLst/>
+            </a:prstGeom>
+            <a:solidFill>
+              <a:srgbClr val="FF0000"/>
+            </a:solidFill>
+            <a:ln>
+              <a:noFill/>
+            </a:ln>
+          </p:spPr>
+          <p:style>
+            <a:lnRef idx="2">
+              <a:schemeClr val="accent1">
+                <a:shade val="50000"/>
+              </a:schemeClr>
+            </a:lnRef>
+            <a:fillRef idx="1">
+              <a:schemeClr val="accent1"/>
+            </a:fillRef>
+            <a:effectRef idx="0">
+              <a:schemeClr val="accent1"/>
+            </a:effectRef>
+            <a:fontRef idx="minor">
+              <a:schemeClr val="lt1"/>
+            </a:fontRef>
+          </p:style>
+          <p:txBody>
+            <a:bodyPr rtlCol="0" anchor="ctr"/>
+            <a:lstStyle/>
+            <a:p>
+              <a:pPr algn="ctr"/>
+              <a:endParaRPr kumimoji="1" lang="zh-SG" altLang="en-US"/>
+            </a:p>
+          </p:txBody>
+        </p:sp>
+        <p:sp>
+          <p:nvSpPr>
+            <p:cNvPr id="59" name="矩形 58">
+              <a:extLst>
+                <a:ext uri="{FF2B5EF4-FFF2-40B4-BE49-F238E27FC236}">
+                  <a16:creationId xmlns:a16="http://schemas.microsoft.com/office/drawing/2014/main" id="{EFA4761D-5BA3-054F-AA99-A08C21DDFFC0}"/>
+                </a:ext>
+              </a:extLst>
+            </p:cNvPr>
+            <p:cNvSpPr/>
+            <p:nvPr/>
+          </p:nvSpPr>
+          <p:spPr>
+            <a:xfrm rot="16200000">
+              <a:off x="1853649" y="1365546"/>
+              <a:ext cx="268323" cy="680091"/>
+            </a:xfrm>
+            <a:prstGeom prst="rect">
+              <a:avLst/>
+            </a:prstGeom>
+            <a:solidFill>
+              <a:srgbClr val="FF0000"/>
+            </a:solidFill>
+            <a:ln>
+              <a:noFill/>
+            </a:ln>
+          </p:spPr>
+          <p:style>
+            <a:lnRef idx="2">
+              <a:schemeClr val="accent1">
+                <a:shade val="50000"/>
+              </a:schemeClr>
+            </a:lnRef>
+            <a:fillRef idx="1">
+              <a:schemeClr val="accent1"/>
+            </a:fillRef>
+            <a:effectRef idx="0">
+              <a:schemeClr val="accent1"/>
+            </a:effectRef>
+            <a:fontRef idx="minor">
+              <a:schemeClr val="lt1"/>
+            </a:fontRef>
+          </p:style>
+          <p:txBody>
+            <a:bodyPr rtlCol="0" anchor="ctr"/>
+            <a:lstStyle/>
+            <a:p>
+              <a:pPr algn="ctr"/>
+              <a:endParaRPr kumimoji="1" lang="zh-SG" altLang="en-US"/>
+            </a:p>
+          </p:txBody>
+        </p:sp>
+        <p:sp>
+          <p:nvSpPr>
+            <p:cNvPr id="61" name="矩形 60">
+              <a:extLst>
+                <a:ext uri="{FF2B5EF4-FFF2-40B4-BE49-F238E27FC236}">
+                  <a16:creationId xmlns:a16="http://schemas.microsoft.com/office/drawing/2014/main" id="{BBA129A9-D044-0743-8518-B574B43C3B94}"/>
+                </a:ext>
+              </a:extLst>
+            </p:cNvPr>
+            <p:cNvSpPr/>
+            <p:nvPr/>
+          </p:nvSpPr>
+          <p:spPr>
+            <a:xfrm rot="16200000">
+              <a:off x="1157762" y="1365545"/>
+              <a:ext cx="268323" cy="680091"/>
+            </a:xfrm>
+            <a:prstGeom prst="rect">
+              <a:avLst/>
+            </a:prstGeom>
+            <a:solidFill>
+              <a:srgbClr val="FF0000"/>
+            </a:solidFill>
+            <a:ln>
+              <a:noFill/>
+            </a:ln>
+          </p:spPr>
+          <p:style>
+            <a:lnRef idx="2">
+              <a:schemeClr val="accent1">
+                <a:shade val="50000"/>
+              </a:schemeClr>
+            </a:lnRef>
+            <a:fillRef idx="1">
+              <a:schemeClr val="accent1"/>
+            </a:fillRef>
+            <a:effectRef idx="0">
+              <a:schemeClr val="accent1"/>
+            </a:effectRef>
+            <a:fontRef idx="minor">
+              <a:schemeClr val="lt1"/>
+            </a:fontRef>
+          </p:style>
+          <p:txBody>
+            <a:bodyPr rtlCol="0" anchor="ctr"/>
+            <a:lstStyle/>
+            <a:p>
+              <a:pPr algn="ctr"/>
+              <a:endParaRPr kumimoji="1" lang="zh-SG" altLang="en-US"/>
+            </a:p>
+          </p:txBody>
+        </p:sp>
+        <p:sp>
+          <p:nvSpPr>
+            <p:cNvPr id="62" name="矩形 61">
+              <a:extLst>
+                <a:ext uri="{FF2B5EF4-FFF2-40B4-BE49-F238E27FC236}">
+                  <a16:creationId xmlns:a16="http://schemas.microsoft.com/office/drawing/2014/main" id="{1EB70546-0762-A844-B9D7-F927728DC090}"/>
+                </a:ext>
+              </a:extLst>
+            </p:cNvPr>
+            <p:cNvSpPr/>
+            <p:nvPr/>
+          </p:nvSpPr>
+          <p:spPr>
+            <a:xfrm rot="16200000">
+              <a:off x="427255" y="1346615"/>
+              <a:ext cx="268323" cy="727408"/>
+            </a:xfrm>
+            <a:prstGeom prst="rect">
+              <a:avLst/>
+            </a:prstGeom>
+            <a:solidFill>
+              <a:srgbClr val="FF0000"/>
+            </a:solidFill>
+            <a:ln>
+              <a:noFill/>
+            </a:ln>
+          </p:spPr>
+          <p:style>
+            <a:lnRef idx="2">
+              <a:schemeClr val="accent1">
+                <a:shade val="50000"/>
+              </a:schemeClr>
+            </a:lnRef>
+            <a:fillRef idx="1">
+              <a:schemeClr val="accent1"/>
+            </a:fillRef>
+            <a:effectRef idx="0">
+              <a:schemeClr val="accent1"/>
+            </a:effectRef>
+            <a:fontRef idx="minor">
+              <a:schemeClr val="lt1"/>
+            </a:fontRef>
+          </p:style>
+          <p:txBody>
+            <a:bodyPr rtlCol="0" anchor="ctr"/>
+            <a:lstStyle/>
+            <a:p>
+              <a:pPr algn="ctr"/>
+              <a:endParaRPr kumimoji="1" lang="zh-SG" altLang="en-US"/>
+            </a:p>
+          </p:txBody>
+        </p:sp>
+        <p:sp>
+          <p:nvSpPr>
+            <p:cNvPr id="68" name="矩形 67">
+              <a:extLst>
+                <a:ext uri="{FF2B5EF4-FFF2-40B4-BE49-F238E27FC236}">
+                  <a16:creationId xmlns:a16="http://schemas.microsoft.com/office/drawing/2014/main" id="{22BE1A1C-0D56-D04E-8F75-842C1197C5E3}"/>
+                </a:ext>
+              </a:extLst>
+            </p:cNvPr>
+            <p:cNvSpPr/>
+            <p:nvPr/>
+          </p:nvSpPr>
+          <p:spPr>
+            <a:xfrm rot="16200000">
+              <a:off x="3967672" y="1796754"/>
+              <a:ext cx="268323" cy="680091"/>
+            </a:xfrm>
+            <a:prstGeom prst="rect">
+              <a:avLst/>
+            </a:prstGeom>
+            <a:solidFill>
+              <a:srgbClr val="FFC000"/>
+            </a:solidFill>
+            <a:ln>
+              <a:noFill/>
+            </a:ln>
+          </p:spPr>
+          <p:style>
+            <a:lnRef idx="2">
+              <a:schemeClr val="accent1">
+                <a:shade val="50000"/>
+              </a:schemeClr>
+            </a:lnRef>
+            <a:fillRef idx="1">
+              <a:schemeClr val="accent1"/>
+            </a:fillRef>
+            <a:effectRef idx="0">
+              <a:schemeClr val="accent1"/>
+            </a:effectRef>
+            <a:fontRef idx="minor">
+              <a:schemeClr val="lt1"/>
+            </a:fontRef>
+          </p:style>
+          <p:txBody>
+            <a:bodyPr rtlCol="0" anchor="ctr"/>
+            <a:lstStyle/>
+            <a:p>
+              <a:pPr algn="ctr"/>
+              <a:endParaRPr kumimoji="1" lang="zh-SG" altLang="en-US"/>
+            </a:p>
+          </p:txBody>
+        </p:sp>
+        <p:sp>
+          <p:nvSpPr>
+            <p:cNvPr id="69" name="矩形 68">
+              <a:extLst>
+                <a:ext uri="{FF2B5EF4-FFF2-40B4-BE49-F238E27FC236}">
+                  <a16:creationId xmlns:a16="http://schemas.microsoft.com/office/drawing/2014/main" id="{5F1670C7-D4FA-CE4E-B809-FDD995B0D549}"/>
+                </a:ext>
+              </a:extLst>
+            </p:cNvPr>
+            <p:cNvSpPr/>
+            <p:nvPr/>
+          </p:nvSpPr>
+          <p:spPr>
+            <a:xfrm rot="16200000">
+              <a:off x="3250229" y="1795401"/>
+              <a:ext cx="268323" cy="680091"/>
+            </a:xfrm>
+            <a:prstGeom prst="rect">
+              <a:avLst/>
+            </a:prstGeom>
+            <a:solidFill>
+              <a:srgbClr val="FFC000"/>
+            </a:solidFill>
+            <a:ln>
+              <a:noFill/>
+            </a:ln>
+          </p:spPr>
+          <p:style>
+            <a:lnRef idx="2">
+              <a:schemeClr val="accent1">
+                <a:shade val="50000"/>
+              </a:schemeClr>
+            </a:lnRef>
+            <a:fillRef idx="1">
+              <a:schemeClr val="accent1"/>
+            </a:fillRef>
+            <a:effectRef idx="0">
+              <a:schemeClr val="accent1"/>
+            </a:effectRef>
+            <a:fontRef idx="minor">
+              <a:schemeClr val="lt1"/>
+            </a:fontRef>
+          </p:style>
+          <p:txBody>
+            <a:bodyPr rtlCol="0" anchor="ctr"/>
+            <a:lstStyle/>
+            <a:p>
+              <a:pPr algn="ctr"/>
+              <a:endParaRPr kumimoji="1" lang="zh-SG" altLang="en-US"/>
+            </a:p>
+          </p:txBody>
+        </p:sp>
+        <p:sp>
+          <p:nvSpPr>
+            <p:cNvPr id="73" name="矩形 72">
+              <a:extLst>
+                <a:ext uri="{FF2B5EF4-FFF2-40B4-BE49-F238E27FC236}">
+                  <a16:creationId xmlns:a16="http://schemas.microsoft.com/office/drawing/2014/main" id="{1480DDC0-4D20-A543-80AB-5116798C8226}"/>
+                </a:ext>
+              </a:extLst>
+            </p:cNvPr>
+            <p:cNvSpPr/>
+            <p:nvPr/>
+          </p:nvSpPr>
+          <p:spPr>
+            <a:xfrm rot="16200000">
+              <a:off x="2547734" y="1803536"/>
+              <a:ext cx="268323" cy="680091"/>
+            </a:xfrm>
+            <a:prstGeom prst="rect">
+              <a:avLst/>
+            </a:prstGeom>
+            <a:solidFill>
+              <a:srgbClr val="FFC000"/>
+            </a:solidFill>
+            <a:ln>
+              <a:noFill/>
+            </a:ln>
+          </p:spPr>
+          <p:style>
+            <a:lnRef idx="2">
+              <a:schemeClr val="accent1">
+                <a:shade val="50000"/>
+              </a:schemeClr>
+            </a:lnRef>
+            <a:fillRef idx="1">
+              <a:schemeClr val="accent1"/>
+            </a:fillRef>
+            <a:effectRef idx="0">
+              <a:schemeClr val="accent1"/>
+            </a:effectRef>
+            <a:fontRef idx="minor">
+              <a:schemeClr val="lt1"/>
+            </a:fontRef>
+          </p:style>
+          <p:txBody>
+            <a:bodyPr rtlCol="0" anchor="ctr"/>
+            <a:lstStyle/>
+            <a:p>
+              <a:pPr algn="ctr"/>
+              <a:endParaRPr kumimoji="1" lang="zh-SG" altLang="en-US"/>
+            </a:p>
+          </p:txBody>
+        </p:sp>
+        <p:sp>
+          <p:nvSpPr>
+            <p:cNvPr id="74" name="矩形 73">
+              <a:extLst>
+                <a:ext uri="{FF2B5EF4-FFF2-40B4-BE49-F238E27FC236}">
+                  <a16:creationId xmlns:a16="http://schemas.microsoft.com/office/drawing/2014/main" id="{0CE8A41B-6753-424D-88AC-8F6A617C2EBB}"/>
+                </a:ext>
+              </a:extLst>
+            </p:cNvPr>
+            <p:cNvSpPr/>
+            <p:nvPr/>
+          </p:nvSpPr>
+          <p:spPr>
+            <a:xfrm rot="16200000">
+              <a:off x="1830291" y="1802183"/>
+              <a:ext cx="268323" cy="680091"/>
+            </a:xfrm>
+            <a:prstGeom prst="rect">
+              <a:avLst/>
+            </a:prstGeom>
+            <a:solidFill>
+              <a:srgbClr val="FFC000"/>
+            </a:solidFill>
+            <a:ln>
+              <a:noFill/>
+            </a:ln>
+          </p:spPr>
+          <p:style>
+            <a:lnRef idx="2">
+              <a:schemeClr val="accent1">
+                <a:shade val="50000"/>
+              </a:schemeClr>
+            </a:lnRef>
+            <a:fillRef idx="1">
+              <a:schemeClr val="accent1"/>
+            </a:fillRef>
+            <a:effectRef idx="0">
+              <a:schemeClr val="accent1"/>
+            </a:effectRef>
+            <a:fontRef idx="minor">
+              <a:schemeClr val="lt1"/>
+            </a:fontRef>
+          </p:style>
+          <p:txBody>
+            <a:bodyPr rtlCol="0" anchor="ctr"/>
+            <a:lstStyle/>
+            <a:p>
+              <a:pPr algn="ctr"/>
+              <a:endParaRPr kumimoji="1" lang="zh-SG" altLang="en-US"/>
+            </a:p>
+          </p:txBody>
+        </p:sp>
+        <p:sp>
+          <p:nvSpPr>
+            <p:cNvPr id="75" name="矩形 74">
+              <a:extLst>
+                <a:ext uri="{FF2B5EF4-FFF2-40B4-BE49-F238E27FC236}">
+                  <a16:creationId xmlns:a16="http://schemas.microsoft.com/office/drawing/2014/main" id="{33D132F1-465B-0E4E-9547-D4D331950EAE}"/>
+                </a:ext>
+              </a:extLst>
+            </p:cNvPr>
+            <p:cNvSpPr/>
+            <p:nvPr/>
+          </p:nvSpPr>
+          <p:spPr>
+            <a:xfrm rot="16200000">
+              <a:off x="1121040" y="1801922"/>
+              <a:ext cx="268323" cy="680091"/>
+            </a:xfrm>
+            <a:prstGeom prst="rect">
+              <a:avLst/>
+            </a:prstGeom>
+            <a:solidFill>
+              <a:srgbClr val="FFC000"/>
+            </a:solidFill>
+            <a:ln>
+              <a:noFill/>
+            </a:ln>
+          </p:spPr>
+          <p:style>
+            <a:lnRef idx="2">
+              <a:schemeClr val="accent1">
+                <a:shade val="50000"/>
+              </a:schemeClr>
+            </a:lnRef>
+            <a:fillRef idx="1">
+              <a:schemeClr val="accent1"/>
+            </a:fillRef>
+            <a:effectRef idx="0">
+              <a:schemeClr val="accent1"/>
+            </a:effectRef>
+            <a:fontRef idx="minor">
+              <a:schemeClr val="lt1"/>
+            </a:fontRef>
+          </p:style>
+          <p:txBody>
+            <a:bodyPr rtlCol="0" anchor="ctr"/>
+            <a:lstStyle/>
+            <a:p>
+              <a:pPr algn="ctr"/>
+              <a:endParaRPr kumimoji="1" lang="zh-SG" altLang="en-US"/>
+            </a:p>
+          </p:txBody>
+        </p:sp>
+        <p:sp>
+          <p:nvSpPr>
+            <p:cNvPr id="76" name="矩形 75">
+              <a:extLst>
+                <a:ext uri="{FF2B5EF4-FFF2-40B4-BE49-F238E27FC236}">
+                  <a16:creationId xmlns:a16="http://schemas.microsoft.com/office/drawing/2014/main" id="{AD8CC6E2-AAAD-8F40-B2BC-B1064D1E1A2C}"/>
+                </a:ext>
+              </a:extLst>
+            </p:cNvPr>
+            <p:cNvSpPr/>
+            <p:nvPr/>
+          </p:nvSpPr>
+          <p:spPr>
+            <a:xfrm rot="16200000">
+              <a:off x="403597" y="1800569"/>
+              <a:ext cx="268323" cy="680091"/>
+            </a:xfrm>
+            <a:prstGeom prst="rect">
+              <a:avLst/>
+            </a:prstGeom>
+            <a:solidFill>
+              <a:srgbClr val="FFC000"/>
+            </a:solidFill>
+            <a:ln>
+              <a:noFill/>
+            </a:ln>
+          </p:spPr>
+          <p:style>
+            <a:lnRef idx="2">
+              <a:schemeClr val="accent1">
+                <a:shade val="50000"/>
+              </a:schemeClr>
+            </a:lnRef>
+            <a:fillRef idx="1">
+              <a:schemeClr val="accent1"/>
+            </a:fillRef>
+            <a:effectRef idx="0">
+              <a:schemeClr val="accent1"/>
+            </a:effectRef>
+            <a:fontRef idx="minor">
+              <a:schemeClr val="lt1"/>
+            </a:fontRef>
+          </p:style>
+          <p:txBody>
+            <a:bodyPr rtlCol="0" anchor="ctr"/>
+            <a:lstStyle/>
+            <a:p>
+              <a:pPr algn="ctr"/>
+              <a:endParaRPr kumimoji="1" lang="zh-SG" altLang="en-US"/>
+            </a:p>
+          </p:txBody>
+        </p:sp>
+        <p:sp>
+          <p:nvSpPr>
+            <p:cNvPr id="77" name="矩形 76">
+              <a:extLst>
+                <a:ext uri="{FF2B5EF4-FFF2-40B4-BE49-F238E27FC236}">
+                  <a16:creationId xmlns:a16="http://schemas.microsoft.com/office/drawing/2014/main" id="{63DB615C-279C-4347-BE54-F4EF4D4BD8C2}"/>
+                </a:ext>
+              </a:extLst>
+            </p:cNvPr>
+            <p:cNvSpPr/>
+            <p:nvPr/>
+          </p:nvSpPr>
+          <p:spPr>
+            <a:xfrm rot="16200000">
+              <a:off x="3967671" y="2600985"/>
+              <a:ext cx="268323" cy="692365"/>
+            </a:xfrm>
+            <a:prstGeom prst="rect">
+              <a:avLst/>
+            </a:prstGeom>
+            <a:solidFill>
+              <a:srgbClr val="00B0F0"/>
+            </a:solidFill>
+            <a:ln>
+              <a:noFill/>
+            </a:ln>
+          </p:spPr>
+          <p:style>
+            <a:lnRef idx="2">
+              <a:schemeClr val="accent1">
+                <a:shade val="50000"/>
+              </a:schemeClr>
+            </a:lnRef>
+            <a:fillRef idx="1">
+              <a:schemeClr val="accent1"/>
+            </a:fillRef>
+            <a:effectRef idx="0">
+              <a:schemeClr val="accent1"/>
+            </a:effectRef>
+            <a:fontRef idx="minor">
+              <a:schemeClr val="lt1"/>
+            </a:fontRef>
+          </p:style>
+          <p:txBody>
+            <a:bodyPr rtlCol="0" anchor="ctr"/>
+            <a:lstStyle/>
+            <a:p>
+              <a:pPr algn="ctr"/>
+              <a:endParaRPr kumimoji="1" lang="zh-SG" altLang="en-US"/>
+            </a:p>
+          </p:txBody>
+        </p:sp>
+        <p:sp>
+          <p:nvSpPr>
+            <p:cNvPr id="78" name="矩形 77">
+              <a:extLst>
+                <a:ext uri="{FF2B5EF4-FFF2-40B4-BE49-F238E27FC236}">
+                  <a16:creationId xmlns:a16="http://schemas.microsoft.com/office/drawing/2014/main" id="{5761B4D5-172B-7E43-B509-1C88F88562A7}"/>
+                </a:ext>
+              </a:extLst>
+            </p:cNvPr>
+            <p:cNvSpPr/>
+            <p:nvPr/>
+          </p:nvSpPr>
+          <p:spPr>
+            <a:xfrm rot="16200000">
+              <a:off x="3250228" y="2608372"/>
+              <a:ext cx="268323" cy="692365"/>
+            </a:xfrm>
+            <a:prstGeom prst="rect">
+              <a:avLst/>
+            </a:prstGeom>
+            <a:solidFill>
+              <a:srgbClr val="00B0F0"/>
+            </a:solidFill>
+            <a:ln>
+              <a:noFill/>
+            </a:ln>
+          </p:spPr>
+          <p:style>
+            <a:lnRef idx="2">
+              <a:schemeClr val="accent1">
+                <a:shade val="50000"/>
+              </a:schemeClr>
+            </a:lnRef>
+            <a:fillRef idx="1">
+              <a:schemeClr val="accent1"/>
+            </a:fillRef>
+            <a:effectRef idx="0">
+              <a:schemeClr val="accent1"/>
+            </a:effectRef>
+            <a:fontRef idx="minor">
+              <a:schemeClr val="lt1"/>
+            </a:fontRef>
+          </p:style>
+          <p:txBody>
+            <a:bodyPr rtlCol="0" anchor="ctr"/>
+            <a:lstStyle/>
+            <a:p>
+              <a:pPr algn="ctr"/>
+              <a:endParaRPr kumimoji="1" lang="zh-SG" altLang="en-US"/>
+            </a:p>
+          </p:txBody>
+        </p:sp>
+        <p:sp>
+          <p:nvSpPr>
+            <p:cNvPr id="80" name="矩形 79">
+              <a:extLst>
+                <a:ext uri="{FF2B5EF4-FFF2-40B4-BE49-F238E27FC236}">
+                  <a16:creationId xmlns:a16="http://schemas.microsoft.com/office/drawing/2014/main" id="{E7A84CCE-198C-C94B-8384-93E2E1B9F6AF}"/>
+                </a:ext>
+              </a:extLst>
+            </p:cNvPr>
+            <p:cNvSpPr/>
+            <p:nvPr/>
+          </p:nvSpPr>
+          <p:spPr>
+            <a:xfrm rot="16200000">
+              <a:off x="2530971" y="2607125"/>
+              <a:ext cx="268323" cy="692365"/>
+            </a:xfrm>
+            <a:prstGeom prst="rect">
+              <a:avLst/>
+            </a:prstGeom>
+            <a:solidFill>
+              <a:srgbClr val="00B0F0"/>
+            </a:solidFill>
+            <a:ln>
+              <a:noFill/>
+            </a:ln>
+          </p:spPr>
+          <p:style>
+            <a:lnRef idx="2">
+              <a:schemeClr val="accent1">
+                <a:shade val="50000"/>
+              </a:schemeClr>
+            </a:lnRef>
+            <a:fillRef idx="1">
+              <a:schemeClr val="accent1"/>
+            </a:fillRef>
+            <a:effectRef idx="0">
+              <a:schemeClr val="accent1"/>
+            </a:effectRef>
+            <a:fontRef idx="minor">
+              <a:schemeClr val="lt1"/>
+            </a:fontRef>
+          </p:style>
+          <p:txBody>
+            <a:bodyPr rtlCol="0" anchor="ctr"/>
+            <a:lstStyle/>
+            <a:p>
+              <a:pPr algn="ctr"/>
+              <a:endParaRPr kumimoji="1" lang="zh-SG" altLang="en-US"/>
+            </a:p>
+          </p:txBody>
+        </p:sp>
+        <p:sp>
+          <p:nvSpPr>
+            <p:cNvPr id="81" name="矩形 80">
+              <a:extLst>
+                <a:ext uri="{FF2B5EF4-FFF2-40B4-BE49-F238E27FC236}">
+                  <a16:creationId xmlns:a16="http://schemas.microsoft.com/office/drawing/2014/main" id="{792B3AB1-0D33-BA49-AD5B-C44CDA236E12}"/>
+                </a:ext>
+              </a:extLst>
+            </p:cNvPr>
+            <p:cNvSpPr/>
+            <p:nvPr/>
+          </p:nvSpPr>
+          <p:spPr>
+            <a:xfrm rot="16200000">
+              <a:off x="1823388" y="2610319"/>
+              <a:ext cx="268323" cy="692365"/>
+            </a:xfrm>
+            <a:prstGeom prst="rect">
+              <a:avLst/>
+            </a:prstGeom>
+            <a:solidFill>
+              <a:srgbClr val="00B0F0"/>
+            </a:solidFill>
+            <a:ln>
+              <a:noFill/>
+            </a:ln>
+          </p:spPr>
+          <p:style>
+            <a:lnRef idx="2">
+              <a:schemeClr val="accent1">
+                <a:shade val="50000"/>
+              </a:schemeClr>
+            </a:lnRef>
+            <a:fillRef idx="1">
+              <a:schemeClr val="accent1"/>
+            </a:fillRef>
+            <a:effectRef idx="0">
+              <a:schemeClr val="accent1"/>
+            </a:effectRef>
+            <a:fontRef idx="minor">
+              <a:schemeClr val="lt1"/>
+            </a:fontRef>
+          </p:style>
+          <p:txBody>
+            <a:bodyPr rtlCol="0" anchor="ctr"/>
+            <a:lstStyle/>
+            <a:p>
+              <a:pPr algn="ctr"/>
+              <a:endParaRPr kumimoji="1" lang="zh-SG" altLang="en-US"/>
+            </a:p>
+          </p:txBody>
+        </p:sp>
+        <p:sp>
+          <p:nvSpPr>
+            <p:cNvPr id="82" name="矩形 81">
+              <a:extLst>
+                <a:ext uri="{FF2B5EF4-FFF2-40B4-BE49-F238E27FC236}">
+                  <a16:creationId xmlns:a16="http://schemas.microsoft.com/office/drawing/2014/main" id="{C4FA9E91-C6A8-6D47-9309-194818D202E1}"/>
+                </a:ext>
+              </a:extLst>
+            </p:cNvPr>
+            <p:cNvSpPr/>
+            <p:nvPr/>
+          </p:nvSpPr>
+          <p:spPr>
+            <a:xfrm rot="16200000">
+              <a:off x="1105945" y="2617706"/>
+              <a:ext cx="268323" cy="692365"/>
+            </a:xfrm>
+            <a:prstGeom prst="rect">
+              <a:avLst/>
+            </a:prstGeom>
+            <a:solidFill>
+              <a:srgbClr val="00B0F0"/>
+            </a:solidFill>
+            <a:ln>
+              <a:noFill/>
+            </a:ln>
+          </p:spPr>
+          <p:style>
+            <a:lnRef idx="2">
+              <a:schemeClr val="accent1">
+                <a:shade val="50000"/>
+              </a:schemeClr>
+            </a:lnRef>
+            <a:fillRef idx="1">
+              <a:schemeClr val="accent1"/>
+            </a:fillRef>
+            <a:effectRef idx="0">
+              <a:schemeClr val="accent1"/>
+            </a:effectRef>
+            <a:fontRef idx="minor">
+              <a:schemeClr val="lt1"/>
+            </a:fontRef>
+          </p:style>
+          <p:txBody>
+            <a:bodyPr rtlCol="0" anchor="ctr"/>
+            <a:lstStyle/>
+            <a:p>
+              <a:pPr algn="ctr"/>
+              <a:endParaRPr kumimoji="1" lang="zh-SG" altLang="en-US"/>
+            </a:p>
+          </p:txBody>
+        </p:sp>
+        <p:sp>
+          <p:nvSpPr>
+            <p:cNvPr id="83" name="矩形 82">
+              <a:extLst>
+                <a:ext uri="{FF2B5EF4-FFF2-40B4-BE49-F238E27FC236}">
+                  <a16:creationId xmlns:a16="http://schemas.microsoft.com/office/drawing/2014/main" id="{5B5F6AAC-4F9B-C647-95C1-779A9F7DFE12}"/>
+                </a:ext>
+              </a:extLst>
+            </p:cNvPr>
+            <p:cNvSpPr/>
+            <p:nvPr/>
+          </p:nvSpPr>
+          <p:spPr>
+            <a:xfrm rot="16200000">
+              <a:off x="386688" y="2616459"/>
+              <a:ext cx="268323" cy="692365"/>
+            </a:xfrm>
+            <a:prstGeom prst="rect">
+              <a:avLst/>
+            </a:prstGeom>
+            <a:solidFill>
+              <a:srgbClr val="00B0F0"/>
+            </a:solidFill>
+            <a:ln>
+              <a:noFill/>
+            </a:ln>
+          </p:spPr>
+          <p:style>
+            <a:lnRef idx="2">
+              <a:schemeClr val="accent1">
+                <a:shade val="50000"/>
+              </a:schemeClr>
+            </a:lnRef>
+            <a:fillRef idx="1">
+              <a:schemeClr val="accent1"/>
+            </a:fillRef>
+            <a:effectRef idx="0">
+              <a:schemeClr val="accent1"/>
+            </a:effectRef>
+            <a:fontRef idx="minor">
+              <a:schemeClr val="lt1"/>
+            </a:fontRef>
+          </p:style>
+          <p:txBody>
+            <a:bodyPr rtlCol="0" anchor="ctr"/>
+            <a:lstStyle/>
+            <a:p>
+              <a:pPr algn="ctr"/>
+              <a:endParaRPr kumimoji="1" lang="zh-SG" altLang="en-US"/>
+            </a:p>
+          </p:txBody>
+        </p:sp>
+      </p:grpSp>
+      <p:sp>
+        <p:nvSpPr>
+          <p:cNvPr id="71" name="文本框 70">
+            <a:extLst>
+              <a:ext uri="{FF2B5EF4-FFF2-40B4-BE49-F238E27FC236}">
+                <a16:creationId xmlns:a16="http://schemas.microsoft.com/office/drawing/2014/main" id="{11709163-B840-F144-AD4A-ADE5FB872F04}"/>
+              </a:ext>
+            </a:extLst>
+          </p:cNvPr>
+          <p:cNvSpPr txBox="1"/>
+          <p:nvPr/>
+        </p:nvSpPr>
+        <p:spPr>
+          <a:xfrm>
+            <a:off x="4622445" y="3409509"/>
+            <a:ext cx="689612" cy="400110"/>
           </a:xfrm>
           <a:prstGeom prst="rect">
             <a:avLst/>
           </a:prstGeom>
-          <a:solidFill>
-            <a:srgbClr val="FF0000"/>
-          </a:solidFill>
-          <a:ln>
-            <a:noFill/>
-          </a:ln>
-        </p:spPr>
-        <p:style>
-          <a:lnRef idx="2">
-            <a:schemeClr val="accent1">
-              <a:shade val="50000"/>
-            </a:schemeClr>
-          </a:lnRef>
-          <a:fillRef idx="1">
-            <a:schemeClr val="accent1"/>
-          </a:fillRef>
-          <a:effectRef idx="0">
-            <a:schemeClr val="accent1"/>
-          </a:effectRef>
-          <a:fontRef idx="minor">
-            <a:schemeClr val="lt1"/>
-          </a:fontRef>
-        </p:style>
-        <p:txBody>
-          <a:bodyPr rtlCol="0" anchor="ctr"/>
-          <a:lstStyle/>
-          <a:p>
-            <a:pPr algn="ctr"/>
-            <a:endParaRPr kumimoji="1" lang="zh-SG" altLang="en-US"/>
-          </a:p>
-        </p:txBody>
-      </p:sp>
-      <p:sp>
-        <p:nvSpPr>
-          <p:cNvPr id="53" name="矩形 52">
-            <a:extLst>
-              <a:ext uri="{FF2B5EF4-FFF2-40B4-BE49-F238E27FC236}">
-                <a16:creationId xmlns:a16="http://schemas.microsoft.com/office/drawing/2014/main" id="{F73285F5-F1A6-0B4D-A95A-223283B7BC04}"/>
-              </a:ext>
-            </a:extLst>
-          </p:cNvPr>
-          <p:cNvSpPr/>
-          <p:nvPr/>
-        </p:nvSpPr>
-        <p:spPr>
-          <a:xfrm rot="16200000">
-            <a:off x="3262513" y="1361103"/>
-            <a:ext cx="268323" cy="680091"/>
-          </a:xfrm>
-          <a:prstGeom prst="rect">
-            <a:avLst/>
-          </a:prstGeom>
-          <a:solidFill>
-            <a:srgbClr val="FF0000"/>
-          </a:solidFill>
-          <a:ln>
-            <a:noFill/>
-          </a:ln>
-        </p:spPr>
-        <p:style>
-          <a:lnRef idx="2">
-            <a:schemeClr val="accent1">
-              <a:shade val="50000"/>
-            </a:schemeClr>
-          </a:lnRef>
-          <a:fillRef idx="1">
-            <a:schemeClr val="accent1"/>
-          </a:fillRef>
-          <a:effectRef idx="0">
-            <a:schemeClr val="accent1"/>
-          </a:effectRef>
-          <a:fontRef idx="minor">
-            <a:schemeClr val="lt1"/>
-          </a:fontRef>
-        </p:style>
-        <p:txBody>
-          <a:bodyPr rtlCol="0" anchor="ctr"/>
-          <a:lstStyle/>
-          <a:p>
-            <a:pPr algn="ctr"/>
-            <a:endParaRPr kumimoji="1" lang="zh-SG" altLang="en-US"/>
-          </a:p>
-        </p:txBody>
-      </p:sp>
-      <p:sp>
-        <p:nvSpPr>
-          <p:cNvPr id="55" name="矩形 54">
-            <a:extLst>
-              <a:ext uri="{FF2B5EF4-FFF2-40B4-BE49-F238E27FC236}">
-                <a16:creationId xmlns:a16="http://schemas.microsoft.com/office/drawing/2014/main" id="{05DB009C-0558-4C4C-99C6-1212D4CDFE1A}"/>
-              </a:ext>
-            </a:extLst>
-          </p:cNvPr>
-          <p:cNvSpPr/>
-          <p:nvPr/>
-        </p:nvSpPr>
-        <p:spPr>
-          <a:xfrm rot="16200000">
-            <a:off x="2560498" y="1360817"/>
-            <a:ext cx="268323" cy="680091"/>
-          </a:xfrm>
-          <a:prstGeom prst="rect">
-            <a:avLst/>
-          </a:prstGeom>
-          <a:solidFill>
-            <a:srgbClr val="FF0000"/>
-          </a:solidFill>
-          <a:ln>
-            <a:noFill/>
-          </a:ln>
-        </p:spPr>
-        <p:style>
-          <a:lnRef idx="2">
-            <a:schemeClr val="accent1">
-              <a:shade val="50000"/>
-            </a:schemeClr>
-          </a:lnRef>
-          <a:fillRef idx="1">
-            <a:schemeClr val="accent1"/>
-          </a:fillRef>
-          <a:effectRef idx="0">
-            <a:schemeClr val="accent1"/>
-          </a:effectRef>
-          <a:fontRef idx="minor">
-            <a:schemeClr val="lt1"/>
-          </a:fontRef>
-        </p:style>
-        <p:txBody>
-          <a:bodyPr rtlCol="0" anchor="ctr"/>
-          <a:lstStyle/>
-          <a:p>
-            <a:pPr algn="ctr"/>
-            <a:endParaRPr kumimoji="1" lang="zh-SG" altLang="en-US"/>
-          </a:p>
-        </p:txBody>
-      </p:sp>
-      <p:sp>
-        <p:nvSpPr>
-          <p:cNvPr id="59" name="矩形 58">
-            <a:extLst>
-              <a:ext uri="{FF2B5EF4-FFF2-40B4-BE49-F238E27FC236}">
-                <a16:creationId xmlns:a16="http://schemas.microsoft.com/office/drawing/2014/main" id="{EFA4761D-5BA3-054F-AA99-A08C21DDFFC0}"/>
-              </a:ext>
-            </a:extLst>
-          </p:cNvPr>
-          <p:cNvSpPr/>
-          <p:nvPr/>
-        </p:nvSpPr>
-        <p:spPr>
-          <a:xfrm rot="16200000">
-            <a:off x="1853649" y="1365546"/>
-            <a:ext cx="268323" cy="680091"/>
-          </a:xfrm>
-          <a:prstGeom prst="rect">
-            <a:avLst/>
-          </a:prstGeom>
-          <a:solidFill>
-            <a:srgbClr val="FF0000"/>
-          </a:solidFill>
-          <a:ln>
-            <a:noFill/>
-          </a:ln>
-        </p:spPr>
-        <p:style>
-          <a:lnRef idx="2">
-            <a:schemeClr val="accent1">
-              <a:shade val="50000"/>
-            </a:schemeClr>
-          </a:lnRef>
-          <a:fillRef idx="1">
-            <a:schemeClr val="accent1"/>
-          </a:fillRef>
-          <a:effectRef idx="0">
-            <a:schemeClr val="accent1"/>
-          </a:effectRef>
-          <a:fontRef idx="minor">
-            <a:schemeClr val="lt1"/>
-          </a:fontRef>
-        </p:style>
-        <p:txBody>
-          <a:bodyPr rtlCol="0" anchor="ctr"/>
-          <a:lstStyle/>
-          <a:p>
-            <a:pPr algn="ctr"/>
-            <a:endParaRPr kumimoji="1" lang="zh-SG" altLang="en-US"/>
-          </a:p>
-        </p:txBody>
-      </p:sp>
-      <p:sp>
-        <p:nvSpPr>
-          <p:cNvPr id="61" name="矩形 60">
-            <a:extLst>
-              <a:ext uri="{FF2B5EF4-FFF2-40B4-BE49-F238E27FC236}">
-                <a16:creationId xmlns:a16="http://schemas.microsoft.com/office/drawing/2014/main" id="{BBA129A9-D044-0743-8518-B574B43C3B94}"/>
-              </a:ext>
-            </a:extLst>
-          </p:cNvPr>
-          <p:cNvSpPr/>
-          <p:nvPr/>
-        </p:nvSpPr>
-        <p:spPr>
-          <a:xfrm rot="16200000">
-            <a:off x="1157762" y="1365545"/>
-            <a:ext cx="268323" cy="680091"/>
-          </a:xfrm>
-          <a:prstGeom prst="rect">
-            <a:avLst/>
-          </a:prstGeom>
-          <a:solidFill>
-            <a:srgbClr val="FF0000"/>
-          </a:solidFill>
-          <a:ln>
-            <a:noFill/>
-          </a:ln>
-        </p:spPr>
-        <p:style>
-          <a:lnRef idx="2">
-            <a:schemeClr val="accent1">
-              <a:shade val="50000"/>
-            </a:schemeClr>
-          </a:lnRef>
-          <a:fillRef idx="1">
-            <a:schemeClr val="accent1"/>
-          </a:fillRef>
-          <a:effectRef idx="0">
-            <a:schemeClr val="accent1"/>
-          </a:effectRef>
-          <a:fontRef idx="minor">
-            <a:schemeClr val="lt1"/>
-          </a:fontRef>
-        </p:style>
-        <p:txBody>
-          <a:bodyPr rtlCol="0" anchor="ctr"/>
-          <a:lstStyle/>
-          <a:p>
-            <a:pPr algn="ctr"/>
-            <a:endParaRPr kumimoji="1" lang="zh-SG" altLang="en-US"/>
-          </a:p>
-        </p:txBody>
-      </p:sp>
-      <p:sp>
-        <p:nvSpPr>
-          <p:cNvPr id="62" name="矩形 61">
-            <a:extLst>
-              <a:ext uri="{FF2B5EF4-FFF2-40B4-BE49-F238E27FC236}">
-                <a16:creationId xmlns:a16="http://schemas.microsoft.com/office/drawing/2014/main" id="{1EB70546-0762-A844-B9D7-F927728DC090}"/>
-              </a:ext>
-            </a:extLst>
-          </p:cNvPr>
-          <p:cNvSpPr/>
-          <p:nvPr/>
-        </p:nvSpPr>
-        <p:spPr>
-          <a:xfrm rot="16200000">
-            <a:off x="427255" y="1346615"/>
-            <a:ext cx="268323" cy="727408"/>
-          </a:xfrm>
-          <a:prstGeom prst="rect">
-            <a:avLst/>
-          </a:prstGeom>
-          <a:solidFill>
-            <a:srgbClr val="FF0000"/>
-          </a:solidFill>
-          <a:ln>
-            <a:noFill/>
-          </a:ln>
-        </p:spPr>
-        <p:style>
-          <a:lnRef idx="2">
-            <a:schemeClr val="accent1">
-              <a:shade val="50000"/>
-            </a:schemeClr>
-          </a:lnRef>
-          <a:fillRef idx="1">
-            <a:schemeClr val="accent1"/>
-          </a:fillRef>
-          <a:effectRef idx="0">
-            <a:schemeClr val="accent1"/>
-          </a:effectRef>
-          <a:fontRef idx="minor">
-            <a:schemeClr val="lt1"/>
-          </a:fontRef>
-        </p:style>
-        <p:txBody>
-          <a:bodyPr rtlCol="0" anchor="ctr"/>
-          <a:lstStyle/>
-          <a:p>
-            <a:pPr algn="ctr"/>
-            <a:endParaRPr kumimoji="1" lang="zh-SG" altLang="en-US"/>
-          </a:p>
-        </p:txBody>
-      </p:sp>
-      <p:sp>
-        <p:nvSpPr>
-          <p:cNvPr id="68" name="矩形 67">
-            <a:extLst>
-              <a:ext uri="{FF2B5EF4-FFF2-40B4-BE49-F238E27FC236}">
-                <a16:creationId xmlns:a16="http://schemas.microsoft.com/office/drawing/2014/main" id="{22BE1A1C-0D56-D04E-8F75-842C1197C5E3}"/>
-              </a:ext>
-            </a:extLst>
-          </p:cNvPr>
-          <p:cNvSpPr/>
-          <p:nvPr/>
-        </p:nvSpPr>
-        <p:spPr>
-          <a:xfrm rot="16200000">
-            <a:off x="3967672" y="1796754"/>
-            <a:ext cx="268323" cy="680091"/>
-          </a:xfrm>
-          <a:prstGeom prst="rect">
-            <a:avLst/>
-          </a:prstGeom>
-          <a:solidFill>
-            <a:srgbClr val="FFC000"/>
-          </a:solidFill>
-          <a:ln>
-            <a:noFill/>
-          </a:ln>
-        </p:spPr>
-        <p:style>
-          <a:lnRef idx="2">
-            <a:schemeClr val="accent1">
-              <a:shade val="50000"/>
-            </a:schemeClr>
-          </a:lnRef>
-          <a:fillRef idx="1">
-            <a:schemeClr val="accent1"/>
-          </a:fillRef>
-          <a:effectRef idx="0">
-            <a:schemeClr val="accent1"/>
-          </a:effectRef>
-          <a:fontRef idx="minor">
-            <a:schemeClr val="lt1"/>
-          </a:fontRef>
-        </p:style>
-        <p:txBody>
-          <a:bodyPr rtlCol="0" anchor="ctr"/>
-          <a:lstStyle/>
-          <a:p>
-            <a:pPr algn="ctr"/>
-            <a:endParaRPr kumimoji="1" lang="zh-SG" altLang="en-US"/>
-          </a:p>
-        </p:txBody>
-      </p:sp>
-      <p:sp>
-        <p:nvSpPr>
-          <p:cNvPr id="69" name="矩形 68">
-            <a:extLst>
-              <a:ext uri="{FF2B5EF4-FFF2-40B4-BE49-F238E27FC236}">
-                <a16:creationId xmlns:a16="http://schemas.microsoft.com/office/drawing/2014/main" id="{5F1670C7-D4FA-CE4E-B809-FDD995B0D549}"/>
-              </a:ext>
-            </a:extLst>
-          </p:cNvPr>
-          <p:cNvSpPr/>
-          <p:nvPr/>
-        </p:nvSpPr>
-        <p:spPr>
-          <a:xfrm rot="16200000">
-            <a:off x="3250229" y="1795401"/>
-            <a:ext cx="268323" cy="680091"/>
-          </a:xfrm>
-          <a:prstGeom prst="rect">
-            <a:avLst/>
-          </a:prstGeom>
-          <a:solidFill>
-            <a:srgbClr val="FFC000"/>
-          </a:solidFill>
-          <a:ln>
-            <a:noFill/>
-          </a:ln>
-        </p:spPr>
-        <p:style>
-          <a:lnRef idx="2">
-            <a:schemeClr val="accent1">
-              <a:shade val="50000"/>
-            </a:schemeClr>
-          </a:lnRef>
-          <a:fillRef idx="1">
-            <a:schemeClr val="accent1"/>
-          </a:fillRef>
-          <a:effectRef idx="0">
-            <a:schemeClr val="accent1"/>
-          </a:effectRef>
-          <a:fontRef idx="minor">
-            <a:schemeClr val="lt1"/>
-          </a:fontRef>
-        </p:style>
-        <p:txBody>
-          <a:bodyPr rtlCol="0" anchor="ctr"/>
-          <a:lstStyle/>
-          <a:p>
-            <a:pPr algn="ctr"/>
-            <a:endParaRPr kumimoji="1" lang="zh-SG" altLang="en-US"/>
-          </a:p>
-        </p:txBody>
-      </p:sp>
-      <p:sp>
-        <p:nvSpPr>
-          <p:cNvPr id="73" name="矩形 72">
-            <a:extLst>
-              <a:ext uri="{FF2B5EF4-FFF2-40B4-BE49-F238E27FC236}">
-                <a16:creationId xmlns:a16="http://schemas.microsoft.com/office/drawing/2014/main" id="{1480DDC0-4D20-A543-80AB-5116798C8226}"/>
-              </a:ext>
-            </a:extLst>
-          </p:cNvPr>
-          <p:cNvSpPr/>
-          <p:nvPr/>
-        </p:nvSpPr>
-        <p:spPr>
-          <a:xfrm rot="16200000">
-            <a:off x="2547734" y="1803536"/>
-            <a:ext cx="268323" cy="680091"/>
-          </a:xfrm>
-          <a:prstGeom prst="rect">
-            <a:avLst/>
-          </a:prstGeom>
-          <a:solidFill>
-            <a:srgbClr val="FFC000"/>
-          </a:solidFill>
-          <a:ln>
-            <a:noFill/>
-          </a:ln>
-        </p:spPr>
-        <p:style>
-          <a:lnRef idx="2">
-            <a:schemeClr val="accent1">
-              <a:shade val="50000"/>
-            </a:schemeClr>
-          </a:lnRef>
-          <a:fillRef idx="1">
-            <a:schemeClr val="accent1"/>
-          </a:fillRef>
-          <a:effectRef idx="0">
-            <a:schemeClr val="accent1"/>
-          </a:effectRef>
-          <a:fontRef idx="minor">
-            <a:schemeClr val="lt1"/>
-          </a:fontRef>
-        </p:style>
-        <p:txBody>
-          <a:bodyPr rtlCol="0" anchor="ctr"/>
-          <a:lstStyle/>
-          <a:p>
-            <a:pPr algn="ctr"/>
-            <a:endParaRPr kumimoji="1" lang="zh-SG" altLang="en-US"/>
-          </a:p>
-        </p:txBody>
-      </p:sp>
-      <p:sp>
-        <p:nvSpPr>
-          <p:cNvPr id="74" name="矩形 73">
-            <a:extLst>
-              <a:ext uri="{FF2B5EF4-FFF2-40B4-BE49-F238E27FC236}">
-                <a16:creationId xmlns:a16="http://schemas.microsoft.com/office/drawing/2014/main" id="{0CE8A41B-6753-424D-88AC-8F6A617C2EBB}"/>
-              </a:ext>
-            </a:extLst>
-          </p:cNvPr>
-          <p:cNvSpPr/>
-          <p:nvPr/>
-        </p:nvSpPr>
-        <p:spPr>
-          <a:xfrm rot="16200000">
-            <a:off x="1830291" y="1802183"/>
-            <a:ext cx="268323" cy="680091"/>
-          </a:xfrm>
-          <a:prstGeom prst="rect">
-            <a:avLst/>
-          </a:prstGeom>
-          <a:solidFill>
-            <a:srgbClr val="FFC000"/>
-          </a:solidFill>
-          <a:ln>
-            <a:noFill/>
-          </a:ln>
-        </p:spPr>
-        <p:style>
-          <a:lnRef idx="2">
-            <a:schemeClr val="accent1">
-              <a:shade val="50000"/>
-            </a:schemeClr>
-          </a:lnRef>
-          <a:fillRef idx="1">
-            <a:schemeClr val="accent1"/>
-          </a:fillRef>
-          <a:effectRef idx="0">
-            <a:schemeClr val="accent1"/>
-          </a:effectRef>
-          <a:fontRef idx="minor">
-            <a:schemeClr val="lt1"/>
-          </a:fontRef>
-        </p:style>
-        <p:txBody>
-          <a:bodyPr rtlCol="0" anchor="ctr"/>
-          <a:lstStyle/>
-          <a:p>
-            <a:pPr algn="ctr"/>
-            <a:endParaRPr kumimoji="1" lang="zh-SG" altLang="en-US"/>
-          </a:p>
-        </p:txBody>
-      </p:sp>
-      <p:sp>
-        <p:nvSpPr>
-          <p:cNvPr id="75" name="矩形 74">
-            <a:extLst>
-              <a:ext uri="{FF2B5EF4-FFF2-40B4-BE49-F238E27FC236}">
-                <a16:creationId xmlns:a16="http://schemas.microsoft.com/office/drawing/2014/main" id="{33D132F1-465B-0E4E-9547-D4D331950EAE}"/>
-              </a:ext>
-            </a:extLst>
-          </p:cNvPr>
-          <p:cNvSpPr/>
-          <p:nvPr/>
-        </p:nvSpPr>
-        <p:spPr>
-          <a:xfrm rot="16200000">
-            <a:off x="1121040" y="1801922"/>
-            <a:ext cx="268323" cy="680091"/>
-          </a:xfrm>
-          <a:prstGeom prst="rect">
-            <a:avLst/>
-          </a:prstGeom>
-          <a:solidFill>
-            <a:srgbClr val="FFC000"/>
-          </a:solidFill>
-          <a:ln>
-            <a:noFill/>
-          </a:ln>
-        </p:spPr>
-        <p:style>
-          <a:lnRef idx="2">
-            <a:schemeClr val="accent1">
-              <a:shade val="50000"/>
-            </a:schemeClr>
-          </a:lnRef>
-          <a:fillRef idx="1">
-            <a:schemeClr val="accent1"/>
-          </a:fillRef>
-          <a:effectRef idx="0">
-            <a:schemeClr val="accent1"/>
-          </a:effectRef>
-          <a:fontRef idx="minor">
-            <a:schemeClr val="lt1"/>
-          </a:fontRef>
-        </p:style>
-        <p:txBody>
-          <a:bodyPr rtlCol="0" anchor="ctr"/>
-          <a:lstStyle/>
-          <a:p>
-            <a:pPr algn="ctr"/>
-            <a:endParaRPr kumimoji="1" lang="zh-SG" altLang="en-US"/>
-          </a:p>
-        </p:txBody>
-      </p:sp>
-      <p:sp>
-        <p:nvSpPr>
-          <p:cNvPr id="76" name="矩形 75">
-            <a:extLst>
-              <a:ext uri="{FF2B5EF4-FFF2-40B4-BE49-F238E27FC236}">
-                <a16:creationId xmlns:a16="http://schemas.microsoft.com/office/drawing/2014/main" id="{AD8CC6E2-AAAD-8F40-B2BC-B1064D1E1A2C}"/>
-              </a:ext>
-            </a:extLst>
-          </p:cNvPr>
-          <p:cNvSpPr/>
-          <p:nvPr/>
-        </p:nvSpPr>
-        <p:spPr>
-          <a:xfrm rot="16200000">
-            <a:off x="403597" y="1800569"/>
-            <a:ext cx="268323" cy="680091"/>
-          </a:xfrm>
-          <a:prstGeom prst="rect">
-            <a:avLst/>
-          </a:prstGeom>
-          <a:solidFill>
-            <a:srgbClr val="FFC000"/>
-          </a:solidFill>
-          <a:ln>
-            <a:noFill/>
-          </a:ln>
-        </p:spPr>
-        <p:style>
-          <a:lnRef idx="2">
-            <a:schemeClr val="accent1">
-              <a:shade val="50000"/>
-            </a:schemeClr>
-          </a:lnRef>
-          <a:fillRef idx="1">
-            <a:schemeClr val="accent1"/>
-          </a:fillRef>
-          <a:effectRef idx="0">
-            <a:schemeClr val="accent1"/>
-          </a:effectRef>
-          <a:fontRef idx="minor">
-            <a:schemeClr val="lt1"/>
-          </a:fontRef>
-        </p:style>
-        <p:txBody>
-          <a:bodyPr rtlCol="0" anchor="ctr"/>
-          <a:lstStyle/>
-          <a:p>
-            <a:pPr algn="ctr"/>
-            <a:endParaRPr kumimoji="1" lang="zh-SG" altLang="en-US"/>
-          </a:p>
-        </p:txBody>
-      </p:sp>
-      <p:sp>
-        <p:nvSpPr>
-          <p:cNvPr id="77" name="矩形 76">
-            <a:extLst>
-              <a:ext uri="{FF2B5EF4-FFF2-40B4-BE49-F238E27FC236}">
-                <a16:creationId xmlns:a16="http://schemas.microsoft.com/office/drawing/2014/main" id="{63DB615C-279C-4347-BE54-F4EF4D4BD8C2}"/>
-              </a:ext>
-            </a:extLst>
-          </p:cNvPr>
-          <p:cNvSpPr/>
-          <p:nvPr/>
-        </p:nvSpPr>
-        <p:spPr>
-          <a:xfrm rot="16200000">
-            <a:off x="3967671" y="2600985"/>
-            <a:ext cx="268323" cy="692365"/>
-          </a:xfrm>
-          <a:prstGeom prst="rect">
-            <a:avLst/>
-          </a:prstGeom>
-          <a:solidFill>
-            <a:srgbClr val="00B0F0"/>
-          </a:solidFill>
-          <a:ln>
-            <a:noFill/>
-          </a:ln>
-        </p:spPr>
-        <p:style>
-          <a:lnRef idx="2">
-            <a:schemeClr val="accent1">
-              <a:shade val="50000"/>
-            </a:schemeClr>
-          </a:lnRef>
-          <a:fillRef idx="1">
-            <a:schemeClr val="accent1"/>
-          </a:fillRef>
-          <a:effectRef idx="0">
-            <a:schemeClr val="accent1"/>
-          </a:effectRef>
-          <a:fontRef idx="minor">
-            <a:schemeClr val="lt1"/>
-          </a:fontRef>
-        </p:style>
-        <p:txBody>
-          <a:bodyPr rtlCol="0" anchor="ctr"/>
-          <a:lstStyle/>
-          <a:p>
-            <a:pPr algn="ctr"/>
-            <a:endParaRPr kumimoji="1" lang="zh-SG" altLang="en-US"/>
-          </a:p>
-        </p:txBody>
-      </p:sp>
-      <p:sp>
-        <p:nvSpPr>
-          <p:cNvPr id="78" name="矩形 77">
-            <a:extLst>
-              <a:ext uri="{FF2B5EF4-FFF2-40B4-BE49-F238E27FC236}">
-                <a16:creationId xmlns:a16="http://schemas.microsoft.com/office/drawing/2014/main" id="{5761B4D5-172B-7E43-B509-1C88F88562A7}"/>
-              </a:ext>
-            </a:extLst>
-          </p:cNvPr>
-          <p:cNvSpPr/>
-          <p:nvPr/>
-        </p:nvSpPr>
-        <p:spPr>
-          <a:xfrm rot="16200000">
-            <a:off x="3250228" y="2608372"/>
-            <a:ext cx="268323" cy="692365"/>
-          </a:xfrm>
-          <a:prstGeom prst="rect">
-            <a:avLst/>
-          </a:prstGeom>
-          <a:solidFill>
-            <a:srgbClr val="00B0F0"/>
-          </a:solidFill>
-          <a:ln>
-            <a:noFill/>
-          </a:ln>
-        </p:spPr>
-        <p:style>
-          <a:lnRef idx="2">
-            <a:schemeClr val="accent1">
-              <a:shade val="50000"/>
-            </a:schemeClr>
-          </a:lnRef>
-          <a:fillRef idx="1">
-            <a:schemeClr val="accent1"/>
-          </a:fillRef>
-          <a:effectRef idx="0">
-            <a:schemeClr val="accent1"/>
-          </a:effectRef>
-          <a:fontRef idx="minor">
-            <a:schemeClr val="lt1"/>
-          </a:fontRef>
-        </p:style>
-        <p:txBody>
-          <a:bodyPr rtlCol="0" anchor="ctr"/>
-          <a:lstStyle/>
-          <a:p>
-            <a:pPr algn="ctr"/>
-            <a:endParaRPr kumimoji="1" lang="zh-SG" altLang="en-US"/>
-          </a:p>
-        </p:txBody>
-      </p:sp>
-      <p:sp>
-        <p:nvSpPr>
-          <p:cNvPr id="80" name="矩形 79">
-            <a:extLst>
-              <a:ext uri="{FF2B5EF4-FFF2-40B4-BE49-F238E27FC236}">
-                <a16:creationId xmlns:a16="http://schemas.microsoft.com/office/drawing/2014/main" id="{E7A84CCE-198C-C94B-8384-93E2E1B9F6AF}"/>
-              </a:ext>
-            </a:extLst>
-          </p:cNvPr>
-          <p:cNvSpPr/>
-          <p:nvPr/>
-        </p:nvSpPr>
-        <p:spPr>
-          <a:xfrm rot="16200000">
-            <a:off x="2530971" y="2607125"/>
-            <a:ext cx="268323" cy="692365"/>
-          </a:xfrm>
-          <a:prstGeom prst="rect">
-            <a:avLst/>
-          </a:prstGeom>
-          <a:solidFill>
-            <a:srgbClr val="00B0F0"/>
-          </a:solidFill>
-          <a:ln>
-            <a:noFill/>
-          </a:ln>
-        </p:spPr>
-        <p:style>
-          <a:lnRef idx="2">
-            <a:schemeClr val="accent1">
-              <a:shade val="50000"/>
-            </a:schemeClr>
-          </a:lnRef>
-          <a:fillRef idx="1">
-            <a:schemeClr val="accent1"/>
-          </a:fillRef>
-          <a:effectRef idx="0">
-            <a:schemeClr val="accent1"/>
-          </a:effectRef>
-          <a:fontRef idx="minor">
-            <a:schemeClr val="lt1"/>
-          </a:fontRef>
-        </p:style>
-        <p:txBody>
-          <a:bodyPr rtlCol="0" anchor="ctr"/>
-          <a:lstStyle/>
-          <a:p>
-            <a:pPr algn="ctr"/>
-            <a:endParaRPr kumimoji="1" lang="zh-SG" altLang="en-US"/>
-          </a:p>
-        </p:txBody>
-      </p:sp>
-      <p:sp>
-        <p:nvSpPr>
-          <p:cNvPr id="81" name="矩形 80">
-            <a:extLst>
-              <a:ext uri="{FF2B5EF4-FFF2-40B4-BE49-F238E27FC236}">
-                <a16:creationId xmlns:a16="http://schemas.microsoft.com/office/drawing/2014/main" id="{792B3AB1-0D33-BA49-AD5B-C44CDA236E12}"/>
-              </a:ext>
-            </a:extLst>
-          </p:cNvPr>
-          <p:cNvSpPr/>
-          <p:nvPr/>
-        </p:nvSpPr>
-        <p:spPr>
-          <a:xfrm rot="16200000">
-            <a:off x="1823388" y="2610319"/>
-            <a:ext cx="268323" cy="692365"/>
-          </a:xfrm>
-          <a:prstGeom prst="rect">
-            <a:avLst/>
-          </a:prstGeom>
-          <a:solidFill>
-            <a:srgbClr val="00B0F0"/>
-          </a:solidFill>
-          <a:ln>
-            <a:noFill/>
-          </a:ln>
-        </p:spPr>
-        <p:style>
-          <a:lnRef idx="2">
-            <a:schemeClr val="accent1">
-              <a:shade val="50000"/>
-            </a:schemeClr>
-          </a:lnRef>
-          <a:fillRef idx="1">
-            <a:schemeClr val="accent1"/>
-          </a:fillRef>
-          <a:effectRef idx="0">
-            <a:schemeClr val="accent1"/>
-          </a:effectRef>
-          <a:fontRef idx="minor">
-            <a:schemeClr val="lt1"/>
-          </a:fontRef>
-        </p:style>
-        <p:txBody>
-          <a:bodyPr rtlCol="0" anchor="ctr"/>
-          <a:lstStyle/>
-          <a:p>
-            <a:pPr algn="ctr"/>
-            <a:endParaRPr kumimoji="1" lang="zh-SG" altLang="en-US"/>
-          </a:p>
-        </p:txBody>
-      </p:sp>
-      <p:sp>
-        <p:nvSpPr>
-          <p:cNvPr id="82" name="矩形 81">
-            <a:extLst>
-              <a:ext uri="{FF2B5EF4-FFF2-40B4-BE49-F238E27FC236}">
-                <a16:creationId xmlns:a16="http://schemas.microsoft.com/office/drawing/2014/main" id="{C4FA9E91-C6A8-6D47-9309-194818D202E1}"/>
-              </a:ext>
-            </a:extLst>
-          </p:cNvPr>
-          <p:cNvSpPr/>
-          <p:nvPr/>
-        </p:nvSpPr>
-        <p:spPr>
-          <a:xfrm rot="16200000">
-            <a:off x="1105945" y="2617706"/>
-            <a:ext cx="268323" cy="692365"/>
-          </a:xfrm>
-          <a:prstGeom prst="rect">
-            <a:avLst/>
-          </a:prstGeom>
-          <a:solidFill>
-            <a:srgbClr val="00B0F0"/>
-          </a:solidFill>
-          <a:ln>
-            <a:noFill/>
-          </a:ln>
-        </p:spPr>
-        <p:style>
-          <a:lnRef idx="2">
-            <a:schemeClr val="accent1">
-              <a:shade val="50000"/>
-            </a:schemeClr>
-          </a:lnRef>
-          <a:fillRef idx="1">
-            <a:schemeClr val="accent1"/>
-          </a:fillRef>
-          <a:effectRef idx="0">
-            <a:schemeClr val="accent1"/>
-          </a:effectRef>
-          <a:fontRef idx="minor">
-            <a:schemeClr val="lt1"/>
-          </a:fontRef>
-        </p:style>
-        <p:txBody>
-          <a:bodyPr rtlCol="0" anchor="ctr"/>
-          <a:lstStyle/>
-          <a:p>
-            <a:pPr algn="ctr"/>
-            <a:endParaRPr kumimoji="1" lang="zh-SG" altLang="en-US"/>
-          </a:p>
-        </p:txBody>
-      </p:sp>
-      <p:sp>
-        <p:nvSpPr>
-          <p:cNvPr id="83" name="矩形 82">
-            <a:extLst>
-              <a:ext uri="{FF2B5EF4-FFF2-40B4-BE49-F238E27FC236}">
-                <a16:creationId xmlns:a16="http://schemas.microsoft.com/office/drawing/2014/main" id="{5B5F6AAC-4F9B-C647-95C1-779A9F7DFE12}"/>
-              </a:ext>
-            </a:extLst>
-          </p:cNvPr>
-          <p:cNvSpPr/>
-          <p:nvPr/>
-        </p:nvSpPr>
-        <p:spPr>
-          <a:xfrm rot="16200000">
-            <a:off x="386688" y="2616459"/>
-            <a:ext cx="268323" cy="692365"/>
-          </a:xfrm>
-          <a:prstGeom prst="rect">
-            <a:avLst/>
-          </a:prstGeom>
-          <a:solidFill>
-            <a:srgbClr val="00B0F0"/>
-          </a:solidFill>
-          <a:ln>
-            <a:noFill/>
-          </a:ln>
-        </p:spPr>
-        <p:style>
-          <a:lnRef idx="2">
-            <a:schemeClr val="accent1">
-              <a:shade val="50000"/>
-            </a:schemeClr>
-          </a:lnRef>
-          <a:fillRef idx="1">
-            <a:schemeClr val="accent1"/>
-          </a:fillRef>
-          <a:effectRef idx="0">
-            <a:schemeClr val="accent1"/>
-          </a:effectRef>
-          <a:fontRef idx="minor">
-            <a:schemeClr val="lt1"/>
-          </a:fontRef>
-        </p:style>
-        <p:txBody>
-          <a:bodyPr rtlCol="0" anchor="ctr"/>
-          <a:lstStyle/>
-          <a:p>
-            <a:pPr algn="ctr"/>
-            <a:endParaRPr kumimoji="1" lang="zh-SG" altLang="en-US"/>
+          <a:noFill/>
+        </p:spPr>
+        <p:txBody>
+          <a:bodyPr wrap="none" rtlCol="0">
+            <a:spAutoFit/>
+          </a:bodyPr>
+          <a:lstStyle/>
+          <a:p>
+            <a:r>
+              <a:rPr kumimoji="1" lang="en-US" altLang="zh-CN" sz="2000" dirty="0"/>
+              <a:t>RNIC</a:t>
+            </a:r>
+            <a:endParaRPr kumimoji="1" lang="zh-SG" altLang="en-US" sz="2000" dirty="0"/>
           </a:p>
         </p:txBody>
       </p:sp>

--- a/lessflow/LessFlow_details.pptx
+++ b/lessflow/LessFlow_details.pptx
@@ -262,7 +262,7 @@
           <a:p>
             <a:fld id="{76465AE9-6046-DF49-85F9-EDC53AD2841B}" type="datetimeFigureOut">
               <a:rPr kumimoji="1" lang="zh-SG" altLang="en-US" smtClean="0"/>
-              <a:t>13/03/24</a:t>
+              <a:t>14/03/24</a:t>
             </a:fld>
             <a:endParaRPr kumimoji="1" lang="zh-SG" altLang="en-US"/>
           </a:p>
@@ -462,7 +462,7 @@
           <a:p>
             <a:fld id="{76465AE9-6046-DF49-85F9-EDC53AD2841B}" type="datetimeFigureOut">
               <a:rPr kumimoji="1" lang="zh-SG" altLang="en-US" smtClean="0"/>
-              <a:t>13/03/24</a:t>
+              <a:t>14/03/24</a:t>
             </a:fld>
             <a:endParaRPr kumimoji="1" lang="zh-SG" altLang="en-US"/>
           </a:p>
@@ -672,7 +672,7 @@
           <a:p>
             <a:fld id="{76465AE9-6046-DF49-85F9-EDC53AD2841B}" type="datetimeFigureOut">
               <a:rPr kumimoji="1" lang="zh-SG" altLang="en-US" smtClean="0"/>
-              <a:t>13/03/24</a:t>
+              <a:t>14/03/24</a:t>
             </a:fld>
             <a:endParaRPr kumimoji="1" lang="zh-SG" altLang="en-US"/>
           </a:p>
@@ -872,7 +872,7 @@
           <a:p>
             <a:fld id="{76465AE9-6046-DF49-85F9-EDC53AD2841B}" type="datetimeFigureOut">
               <a:rPr kumimoji="1" lang="zh-SG" altLang="en-US" smtClean="0"/>
-              <a:t>13/03/24</a:t>
+              <a:t>14/03/24</a:t>
             </a:fld>
             <a:endParaRPr kumimoji="1" lang="zh-SG" altLang="en-US"/>
           </a:p>
@@ -1148,7 +1148,7 @@
           <a:p>
             <a:fld id="{76465AE9-6046-DF49-85F9-EDC53AD2841B}" type="datetimeFigureOut">
               <a:rPr kumimoji="1" lang="zh-SG" altLang="en-US" smtClean="0"/>
-              <a:t>13/03/24</a:t>
+              <a:t>14/03/24</a:t>
             </a:fld>
             <a:endParaRPr kumimoji="1" lang="zh-SG" altLang="en-US"/>
           </a:p>
@@ -1416,7 +1416,7 @@
           <a:p>
             <a:fld id="{76465AE9-6046-DF49-85F9-EDC53AD2841B}" type="datetimeFigureOut">
               <a:rPr kumimoji="1" lang="zh-SG" altLang="en-US" smtClean="0"/>
-              <a:t>13/03/24</a:t>
+              <a:t>14/03/24</a:t>
             </a:fld>
             <a:endParaRPr kumimoji="1" lang="zh-SG" altLang="en-US"/>
           </a:p>
@@ -1831,7 +1831,7 @@
           <a:p>
             <a:fld id="{76465AE9-6046-DF49-85F9-EDC53AD2841B}" type="datetimeFigureOut">
               <a:rPr kumimoji="1" lang="zh-SG" altLang="en-US" smtClean="0"/>
-              <a:t>13/03/24</a:t>
+              <a:t>14/03/24</a:t>
             </a:fld>
             <a:endParaRPr kumimoji="1" lang="zh-SG" altLang="en-US"/>
           </a:p>
@@ -1973,7 +1973,7 @@
           <a:p>
             <a:fld id="{76465AE9-6046-DF49-85F9-EDC53AD2841B}" type="datetimeFigureOut">
               <a:rPr kumimoji="1" lang="zh-SG" altLang="en-US" smtClean="0"/>
-              <a:t>13/03/24</a:t>
+              <a:t>14/03/24</a:t>
             </a:fld>
             <a:endParaRPr kumimoji="1" lang="zh-SG" altLang="en-US"/>
           </a:p>
@@ -2086,7 +2086,7 @@
           <a:p>
             <a:fld id="{76465AE9-6046-DF49-85F9-EDC53AD2841B}" type="datetimeFigureOut">
               <a:rPr kumimoji="1" lang="zh-SG" altLang="en-US" smtClean="0"/>
-              <a:t>13/03/24</a:t>
+              <a:t>14/03/24</a:t>
             </a:fld>
             <a:endParaRPr kumimoji="1" lang="zh-SG" altLang="en-US"/>
           </a:p>
@@ -2399,7 +2399,7 @@
           <a:p>
             <a:fld id="{76465AE9-6046-DF49-85F9-EDC53AD2841B}" type="datetimeFigureOut">
               <a:rPr kumimoji="1" lang="zh-SG" altLang="en-US" smtClean="0"/>
-              <a:t>13/03/24</a:t>
+              <a:t>14/03/24</a:t>
             </a:fld>
             <a:endParaRPr kumimoji="1" lang="zh-SG" altLang="en-US"/>
           </a:p>
@@ -2688,7 +2688,7 @@
           <a:p>
             <a:fld id="{76465AE9-6046-DF49-85F9-EDC53AD2841B}" type="datetimeFigureOut">
               <a:rPr kumimoji="1" lang="zh-SG" altLang="en-US" smtClean="0"/>
-              <a:t>13/03/24</a:t>
+              <a:t>14/03/24</a:t>
             </a:fld>
             <a:endParaRPr kumimoji="1" lang="zh-SG" altLang="en-US"/>
           </a:p>
@@ -2931,7 +2931,7 @@
           <a:p>
             <a:fld id="{76465AE9-6046-DF49-85F9-EDC53AD2841B}" type="datetimeFigureOut">
               <a:rPr kumimoji="1" lang="zh-SG" altLang="en-US" smtClean="0"/>
-              <a:t>13/03/24</a:t>
+              <a:t>14/03/24</a:t>
             </a:fld>
             <a:endParaRPr kumimoji="1" lang="zh-SG" altLang="en-US"/>
           </a:p>
@@ -3362,8 +3362,8 @@
         </p:nvSpPr>
         <p:spPr>
           <a:xfrm>
-            <a:off x="278780" y="390294"/>
-            <a:ext cx="8651828" cy="3780262"/>
+            <a:off x="4304334" y="390294"/>
+            <a:ext cx="4626274" cy="3780262"/>
           </a:xfrm>
           <a:prstGeom prst="rect">
             <a:avLst/>
@@ -3403,50 +3403,6 @@
           </a:p>
         </p:txBody>
       </p:sp>
-      <p:cxnSp>
-        <p:nvCxnSpPr>
-          <p:cNvPr id="5" name="直线连接符 4">
-            <a:extLst>
-              <a:ext uri="{FF2B5EF4-FFF2-40B4-BE49-F238E27FC236}">
-                <a16:creationId xmlns:a16="http://schemas.microsoft.com/office/drawing/2014/main" id="{F79B7F59-B53D-6942-ACE8-68175FE0F853}"/>
-              </a:ext>
-            </a:extLst>
-          </p:cNvPr>
-          <p:cNvCxnSpPr>
-            <a:cxnSpLocks/>
-          </p:cNvCxnSpPr>
-          <p:nvPr/>
-        </p:nvCxnSpPr>
-        <p:spPr>
-          <a:xfrm flipV="1">
-            <a:off x="4482595" y="662110"/>
-            <a:ext cx="0" cy="3010668"/>
-          </a:xfrm>
-          <a:prstGeom prst="line">
-            <a:avLst/>
-          </a:prstGeom>
-          <a:ln w="28575">
-            <a:solidFill>
-              <a:schemeClr val="tx1"/>
-            </a:solidFill>
-            <a:prstDash val="dash"/>
-          </a:ln>
-        </p:spPr>
-        <p:style>
-          <a:lnRef idx="1">
-            <a:schemeClr val="accent1"/>
-          </a:lnRef>
-          <a:fillRef idx="0">
-            <a:schemeClr val="accent1"/>
-          </a:fillRef>
-          <a:effectRef idx="0">
-            <a:schemeClr val="accent1"/>
-          </a:effectRef>
-          <a:fontRef idx="minor">
-            <a:schemeClr val="tx1"/>
-          </a:fontRef>
-        </p:style>
-      </p:cxnSp>
       <p:sp>
         <p:nvSpPr>
           <p:cNvPr id="8" name="文本框 7">
@@ -3461,7 +3417,7 @@
         </p:nvSpPr>
         <p:spPr>
           <a:xfrm>
-            <a:off x="3476198" y="3724877"/>
+            <a:off x="5053704" y="3812820"/>
             <a:ext cx="1922899" cy="400110"/>
           </a:xfrm>
           <a:prstGeom prst="rect">
@@ -4907,7 +4863,7 @@
             </p:nvSpPr>
             <p:spPr>
               <a:xfrm>
-                <a:off x="377927" y="1942814"/>
+                <a:off x="-79272" y="1942814"/>
                 <a:ext cx="943913" cy="400110"/>
               </a:xfrm>
               <a:prstGeom prst="rect">
@@ -4961,7 +4917,7 @@
             </p:nvSpPr>
             <p:spPr>
               <a:xfrm>
-                <a:off x="377927" y="1942814"/>
+                <a:off x="-79272" y="1942814"/>
                 <a:ext cx="943913" cy="400110"/>
               </a:xfrm>
               <a:prstGeom prst="rect">
@@ -5003,7 +4959,7 @@
         </p:nvSpPr>
         <p:spPr>
           <a:xfrm>
-            <a:off x="993579" y="1127357"/>
+            <a:off x="593239" y="1127357"/>
             <a:ext cx="3624326" cy="400110"/>
           </a:xfrm>
           <a:prstGeom prst="rect">
@@ -5759,7 +5715,7 @@
         </p:nvGrpSpPr>
         <p:grpSpPr>
           <a:xfrm>
-            <a:off x="1283981" y="1569602"/>
+            <a:off x="826782" y="1569602"/>
             <a:ext cx="3088285" cy="1255820"/>
             <a:chOff x="-113896" y="1562258"/>
             <a:chExt cx="4561911" cy="1597450"/>
@@ -6801,7 +6757,7 @@
         </p:nvSpPr>
         <p:spPr>
           <a:xfrm>
-            <a:off x="4622445" y="3409509"/>
+            <a:off x="4312787" y="3420739"/>
             <a:ext cx="689612" cy="400110"/>
           </a:xfrm>
           <a:prstGeom prst="rect">
@@ -6823,6 +6779,50 @@
           </a:p>
         </p:txBody>
       </p:sp>
+      <p:cxnSp>
+        <p:nvCxnSpPr>
+          <p:cNvPr id="70" name="直线连接符 69">
+            <a:extLst>
+              <a:ext uri="{FF2B5EF4-FFF2-40B4-BE49-F238E27FC236}">
+                <a16:creationId xmlns:a16="http://schemas.microsoft.com/office/drawing/2014/main" id="{2626D8A3-654C-D44C-9716-A59961928A72}"/>
+              </a:ext>
+            </a:extLst>
+          </p:cNvPr>
+          <p:cNvCxnSpPr>
+            <a:cxnSpLocks/>
+          </p:cNvCxnSpPr>
+          <p:nvPr/>
+        </p:nvCxnSpPr>
+        <p:spPr>
+          <a:xfrm flipV="1">
+            <a:off x="4183718" y="653608"/>
+            <a:ext cx="35030" cy="3308456"/>
+          </a:xfrm>
+          <a:prstGeom prst="line">
+            <a:avLst/>
+          </a:prstGeom>
+          <a:ln w="28575">
+            <a:solidFill>
+              <a:schemeClr val="tx1"/>
+            </a:solidFill>
+            <a:prstDash val="dash"/>
+          </a:ln>
+        </p:spPr>
+        <p:style>
+          <a:lnRef idx="1">
+            <a:schemeClr val="accent1"/>
+          </a:lnRef>
+          <a:fillRef idx="0">
+            <a:schemeClr val="accent1"/>
+          </a:fillRef>
+          <a:effectRef idx="0">
+            <a:schemeClr val="accent1"/>
+          </a:effectRef>
+          <a:fontRef idx="minor">
+            <a:schemeClr val="tx1"/>
+          </a:fontRef>
+        </p:style>
+      </p:cxnSp>
     </p:spTree>
     <p:extLst>
       <p:ext uri="{BB962C8B-B14F-4D97-AF65-F5344CB8AC3E}">
